--- a/Documents/presentationParis7.pptx
+++ b/Documents/presentationParis7.pptx
@@ -1,27 +1,122 @@
 
 <file path=ppt/presentation.xml><?xml version="1.0" encoding="utf-8"?>
-<p:presentation xmlns:a="http://schemas.openxmlformats.org/drawingml/2006/main" xmlns:p="http://schemas.openxmlformats.org/presentationml/2006/main" xmlns:r="http://schemas.openxmlformats.org/officeDocument/2006/relationships">
+<p:presentation xmlns:a="http://schemas.openxmlformats.org/drawingml/2006/main" xmlns:r="http://schemas.openxmlformats.org/officeDocument/2006/relationships" xmlns:p="http://schemas.openxmlformats.org/presentationml/2006/main">
   <p:sldMasterIdLst>
-    <p:sldMasterId id="2147483648" r:id="rId2"/>
-    <p:sldMasterId id="2147483661" r:id="rId3"/>
+    <p:sldMasterId id="2147483648" r:id="rId1"/>
+    <p:sldMasterId id="2147483661" r:id="rId2"/>
   </p:sldMasterIdLst>
   <p:sldIdLst>
-    <p:sldId id="256" r:id="rId4"/>
-    <p:sldId id="257" r:id="rId5"/>
-    <p:sldId id="258" r:id="rId6"/>
-    <p:sldId id="259" r:id="rId7"/>
-    <p:sldId id="260" r:id="rId8"/>
-    <p:sldId id="261" r:id="rId9"/>
-    <p:sldId id="262" r:id="rId10"/>
-    <p:sldId id="263" r:id="rId11"/>
+    <p:sldId id="256" r:id="rId3"/>
+    <p:sldId id="257" r:id="rId4"/>
+    <p:sldId id="258" r:id="rId5"/>
+    <p:sldId id="259" r:id="rId6"/>
+    <p:sldId id="260" r:id="rId7"/>
+    <p:sldId id="261" r:id="rId8"/>
+    <p:sldId id="262" r:id="rId9"/>
+    <p:sldId id="263" r:id="rId10"/>
   </p:sldIdLst>
   <p:sldSz cx="12192000" cy="6858000"/>
   <p:notesSz cx="7772400" cy="10058400"/>
+  <p:defaultTextStyle>
+    <a:defPPr>
+      <a:defRPr lang="he-IL"/>
+    </a:defPPr>
+    <a:lvl1pPr marL="0" algn="r" defTabSz="914400" rtl="1" eaLnBrk="1" latinLnBrk="0" hangingPunct="1">
+      <a:defRPr sz="1800" kern="1200">
+        <a:solidFill>
+          <a:schemeClr val="tx1"/>
+        </a:solidFill>
+        <a:latin typeface="+mn-lt"/>
+        <a:ea typeface="+mn-ea"/>
+        <a:cs typeface="+mn-cs"/>
+      </a:defRPr>
+    </a:lvl1pPr>
+    <a:lvl2pPr marL="457200" algn="r" defTabSz="914400" rtl="1" eaLnBrk="1" latinLnBrk="0" hangingPunct="1">
+      <a:defRPr sz="1800" kern="1200">
+        <a:solidFill>
+          <a:schemeClr val="tx1"/>
+        </a:solidFill>
+        <a:latin typeface="+mn-lt"/>
+        <a:ea typeface="+mn-ea"/>
+        <a:cs typeface="+mn-cs"/>
+      </a:defRPr>
+    </a:lvl2pPr>
+    <a:lvl3pPr marL="914400" algn="r" defTabSz="914400" rtl="1" eaLnBrk="1" latinLnBrk="0" hangingPunct="1">
+      <a:defRPr sz="1800" kern="1200">
+        <a:solidFill>
+          <a:schemeClr val="tx1"/>
+        </a:solidFill>
+        <a:latin typeface="+mn-lt"/>
+        <a:ea typeface="+mn-ea"/>
+        <a:cs typeface="+mn-cs"/>
+      </a:defRPr>
+    </a:lvl3pPr>
+    <a:lvl4pPr marL="1371600" algn="r" defTabSz="914400" rtl="1" eaLnBrk="1" latinLnBrk="0" hangingPunct="1">
+      <a:defRPr sz="1800" kern="1200">
+        <a:solidFill>
+          <a:schemeClr val="tx1"/>
+        </a:solidFill>
+        <a:latin typeface="+mn-lt"/>
+        <a:ea typeface="+mn-ea"/>
+        <a:cs typeface="+mn-cs"/>
+      </a:defRPr>
+    </a:lvl4pPr>
+    <a:lvl5pPr marL="1828800" algn="r" defTabSz="914400" rtl="1" eaLnBrk="1" latinLnBrk="0" hangingPunct="1">
+      <a:defRPr sz="1800" kern="1200">
+        <a:solidFill>
+          <a:schemeClr val="tx1"/>
+        </a:solidFill>
+        <a:latin typeface="+mn-lt"/>
+        <a:ea typeface="+mn-ea"/>
+        <a:cs typeface="+mn-cs"/>
+      </a:defRPr>
+    </a:lvl5pPr>
+    <a:lvl6pPr marL="2286000" algn="r" defTabSz="914400" rtl="1" eaLnBrk="1" latinLnBrk="0" hangingPunct="1">
+      <a:defRPr sz="1800" kern="1200">
+        <a:solidFill>
+          <a:schemeClr val="tx1"/>
+        </a:solidFill>
+        <a:latin typeface="+mn-lt"/>
+        <a:ea typeface="+mn-ea"/>
+        <a:cs typeface="+mn-cs"/>
+      </a:defRPr>
+    </a:lvl6pPr>
+    <a:lvl7pPr marL="2743200" algn="r" defTabSz="914400" rtl="1" eaLnBrk="1" latinLnBrk="0" hangingPunct="1">
+      <a:defRPr sz="1800" kern="1200">
+        <a:solidFill>
+          <a:schemeClr val="tx1"/>
+        </a:solidFill>
+        <a:latin typeface="+mn-lt"/>
+        <a:ea typeface="+mn-ea"/>
+        <a:cs typeface="+mn-cs"/>
+      </a:defRPr>
+    </a:lvl7pPr>
+    <a:lvl8pPr marL="3200400" algn="r" defTabSz="914400" rtl="1" eaLnBrk="1" latinLnBrk="0" hangingPunct="1">
+      <a:defRPr sz="1800" kern="1200">
+        <a:solidFill>
+          <a:schemeClr val="tx1"/>
+        </a:solidFill>
+        <a:latin typeface="+mn-lt"/>
+        <a:ea typeface="+mn-ea"/>
+        <a:cs typeface="+mn-cs"/>
+      </a:defRPr>
+    </a:lvl8pPr>
+    <a:lvl9pPr marL="3657600" algn="r" defTabSz="914400" rtl="1" eaLnBrk="1" latinLnBrk="0" hangingPunct="1">
+      <a:defRPr sz="1800" kern="1200">
+        <a:solidFill>
+          <a:schemeClr val="tx1"/>
+        </a:solidFill>
+        <a:latin typeface="+mn-lt"/>
+        <a:ea typeface="+mn-ea"/>
+        <a:cs typeface="+mn-cs"/>
+      </a:defRPr>
+    </a:lvl9pPr>
+  </p:defaultTextStyle>
 </p:presentation>
 </file>
 
 <file path=ppt/slideLayouts/slideLayout1.xml><?xml version="1.0" encoding="utf-8"?>
-<p:sldLayout xmlns:a="http://schemas.openxmlformats.org/drawingml/2006/main" xmlns:p="http://schemas.openxmlformats.org/presentationml/2006/main" xmlns:r="http://schemas.openxmlformats.org/officeDocument/2006/relationships" type="blank" preserve="1">
+<p:sldLayout xmlns:a="http://schemas.openxmlformats.org/drawingml/2006/main" xmlns:r="http://schemas.openxmlformats.org/officeDocument/2006/relationships" xmlns:p="http://schemas.openxmlformats.org/presentationml/2006/main" type="blank" preserve="1">
   <p:cSld name="Blank Slide">
     <p:spTree>
       <p:nvGrpSpPr>
@@ -39,11 +134,14 @@
       </p:grpSpPr>
     </p:spTree>
   </p:cSld>
+  <p:clrMapOvr>
+    <a:masterClrMapping/>
+  </p:clrMapOvr>
 </p:sldLayout>
 </file>
 
 <file path=ppt/slideLayouts/slideLayout10.xml><?xml version="1.0" encoding="utf-8"?>
-<p:sldLayout xmlns:a="http://schemas.openxmlformats.org/drawingml/2006/main" xmlns:p="http://schemas.openxmlformats.org/presentationml/2006/main" xmlns:r="http://schemas.openxmlformats.org/officeDocument/2006/relationships" type="objOverTx" preserve="1">
+<p:sldLayout xmlns:a="http://schemas.openxmlformats.org/drawingml/2006/main" xmlns:r="http://schemas.openxmlformats.org/officeDocument/2006/relationships" xmlns:p="http://schemas.openxmlformats.org/presentationml/2006/main" type="objOverTx" preserve="1">
   <p:cSld name="Title, Content over Content">
     <p:spTree>
       <p:nvGrpSpPr>
@@ -79,7 +177,8 @@
           </a:prstGeom>
         </p:spPr>
         <p:txBody>
-          <a:bodyPr lIns="0" rIns="0" tIns="0" bIns="0" anchor="ctr"/>
+          <a:bodyPr lIns="0" tIns="0" rIns="0" bIns="0" anchor="ctr"/>
+          <a:lstStyle/>
           <a:p>
             <a:pPr algn="r"/>
             <a:endParaRPr/>
@@ -106,7 +205,8 @@
           </a:prstGeom>
         </p:spPr>
         <p:txBody>
-          <a:bodyPr lIns="0" rIns="0" tIns="0" bIns="0"/>
+          <a:bodyPr lIns="0" tIns="0" rIns="0" bIns="0"/>
+          <a:lstStyle/>
           <a:p>
             <a:pPr algn="r"/>
             <a:endParaRPr/>
@@ -133,7 +233,8 @@
           </a:prstGeom>
         </p:spPr>
         <p:txBody>
-          <a:bodyPr lIns="0" rIns="0" tIns="0" bIns="0"/>
+          <a:bodyPr lIns="0" tIns="0" rIns="0" bIns="0"/>
+          <a:lstStyle/>
           <a:p>
             <a:pPr algn="r"/>
             <a:endParaRPr/>
@@ -142,11 +243,14 @@
       </p:sp>
     </p:spTree>
   </p:cSld>
+  <p:clrMapOvr>
+    <a:masterClrMapping/>
+  </p:clrMapOvr>
 </p:sldLayout>
 </file>
 
 <file path=ppt/slideLayouts/slideLayout11.xml><?xml version="1.0" encoding="utf-8"?>
-<p:sldLayout xmlns:a="http://schemas.openxmlformats.org/drawingml/2006/main" xmlns:p="http://schemas.openxmlformats.org/presentationml/2006/main" xmlns:r="http://schemas.openxmlformats.org/officeDocument/2006/relationships" type="fourObj" preserve="1">
+<p:sldLayout xmlns:a="http://schemas.openxmlformats.org/drawingml/2006/main" xmlns:r="http://schemas.openxmlformats.org/officeDocument/2006/relationships" xmlns:p="http://schemas.openxmlformats.org/presentationml/2006/main" type="fourObj" preserve="1">
   <p:cSld name="Title, 4 Content">
     <p:spTree>
       <p:nvGrpSpPr>
@@ -182,7 +286,8 @@
           </a:prstGeom>
         </p:spPr>
         <p:txBody>
-          <a:bodyPr lIns="0" rIns="0" tIns="0" bIns="0" anchor="ctr"/>
+          <a:bodyPr lIns="0" tIns="0" rIns="0" bIns="0" anchor="ctr"/>
+          <a:lstStyle/>
           <a:p>
             <a:pPr algn="r"/>
             <a:endParaRPr/>
@@ -209,7 +314,8 @@
           </a:prstGeom>
         </p:spPr>
         <p:txBody>
-          <a:bodyPr lIns="0" rIns="0" tIns="0" bIns="0"/>
+          <a:bodyPr lIns="0" tIns="0" rIns="0" bIns="0"/>
+          <a:lstStyle/>
           <a:p>
             <a:pPr algn="r"/>
             <a:endParaRPr/>
@@ -236,7 +342,8 @@
           </a:prstGeom>
         </p:spPr>
         <p:txBody>
-          <a:bodyPr lIns="0" rIns="0" tIns="0" bIns="0"/>
+          <a:bodyPr lIns="0" tIns="0" rIns="0" bIns="0"/>
+          <a:lstStyle/>
           <a:p>
             <a:pPr algn="r"/>
             <a:endParaRPr/>
@@ -263,7 +370,8 @@
           </a:prstGeom>
         </p:spPr>
         <p:txBody>
-          <a:bodyPr lIns="0" rIns="0" tIns="0" bIns="0"/>
+          <a:bodyPr lIns="0" tIns="0" rIns="0" bIns="0"/>
+          <a:lstStyle/>
           <a:p>
             <a:pPr algn="r"/>
             <a:endParaRPr/>
@@ -290,7 +398,8 @@
           </a:prstGeom>
         </p:spPr>
         <p:txBody>
-          <a:bodyPr lIns="0" rIns="0" tIns="0" bIns="0"/>
+          <a:bodyPr lIns="0" tIns="0" rIns="0" bIns="0"/>
+          <a:lstStyle/>
           <a:p>
             <a:pPr algn="r"/>
             <a:endParaRPr/>
@@ -299,11 +408,14 @@
       </p:sp>
     </p:spTree>
   </p:cSld>
+  <p:clrMapOvr>
+    <a:masterClrMapping/>
+  </p:clrMapOvr>
 </p:sldLayout>
 </file>
 
 <file path=ppt/slideLayouts/slideLayout12.xml><?xml version="1.0" encoding="utf-8"?>
-<p:sldLayout xmlns:a="http://schemas.openxmlformats.org/drawingml/2006/main" xmlns:p="http://schemas.openxmlformats.org/presentationml/2006/main" xmlns:r="http://schemas.openxmlformats.org/officeDocument/2006/relationships" type="blank" preserve="1">
+<p:sldLayout xmlns:a="http://schemas.openxmlformats.org/drawingml/2006/main" xmlns:r="http://schemas.openxmlformats.org/officeDocument/2006/relationships" xmlns:p="http://schemas.openxmlformats.org/presentationml/2006/main" type="blank" preserve="1">
   <p:cSld name="Title, 6 Content">
     <p:spTree>
       <p:nvGrpSpPr>
@@ -339,7 +451,8 @@
           </a:prstGeom>
         </p:spPr>
         <p:txBody>
-          <a:bodyPr lIns="0" rIns="0" tIns="0" bIns="0" anchor="ctr"/>
+          <a:bodyPr lIns="0" tIns="0" rIns="0" bIns="0" anchor="ctr"/>
+          <a:lstStyle/>
           <a:p>
             <a:pPr algn="r"/>
             <a:endParaRPr/>
@@ -366,7 +479,8 @@
           </a:prstGeom>
         </p:spPr>
         <p:txBody>
-          <a:bodyPr lIns="0" rIns="0" tIns="0" bIns="0"/>
+          <a:bodyPr lIns="0" tIns="0" rIns="0" bIns="0"/>
+          <a:lstStyle/>
           <a:p>
             <a:pPr algn="r"/>
             <a:endParaRPr/>
@@ -393,7 +507,8 @@
           </a:prstGeom>
         </p:spPr>
         <p:txBody>
-          <a:bodyPr lIns="0" rIns="0" tIns="0" bIns="0"/>
+          <a:bodyPr lIns="0" tIns="0" rIns="0" bIns="0"/>
+          <a:lstStyle/>
           <a:p>
             <a:pPr algn="r"/>
             <a:endParaRPr/>
@@ -402,7 +517,7 @@
       </p:sp>
       <p:pic>
         <p:nvPicPr>
-          <p:cNvPr id="37" name="" descr=""/>
+          <p:cNvPr id="37" name="Picture 36"/>
           <p:cNvPicPr/>
           <p:nvPr/>
         </p:nvPicPr>
@@ -427,12 +542,12 @@
       </p:pic>
       <p:pic>
         <p:nvPicPr>
-          <p:cNvPr id="38" name="" descr=""/>
+          <p:cNvPr id="38" name="Picture 37"/>
           <p:cNvPicPr/>
           <p:nvPr/>
         </p:nvPicPr>
         <p:blipFill>
-          <a:blip r:embed="rId3"/>
+          <a:blip r:embed="rId2"/>
           <a:stretch>
             <a:fillRect/>
           </a:stretch>
@@ -452,11 +567,14 @@
       </p:pic>
     </p:spTree>
   </p:cSld>
+  <p:clrMapOvr>
+    <a:masterClrMapping/>
+  </p:clrMapOvr>
 </p:sldLayout>
 </file>
 
 <file path=ppt/slideLayouts/slideLayout13.xml><?xml version="1.0" encoding="utf-8"?>
-<p:sldLayout xmlns:a="http://schemas.openxmlformats.org/drawingml/2006/main" xmlns:p="http://schemas.openxmlformats.org/presentationml/2006/main" xmlns:r="http://schemas.openxmlformats.org/officeDocument/2006/relationships" type="blank" preserve="1">
+<p:sldLayout xmlns:a="http://schemas.openxmlformats.org/drawingml/2006/main" xmlns:r="http://schemas.openxmlformats.org/officeDocument/2006/relationships" xmlns:p="http://schemas.openxmlformats.org/presentationml/2006/main" type="blank" preserve="1">
   <p:cSld name="Blank Slide">
     <p:spTree>
       <p:nvGrpSpPr>
@@ -474,11 +592,14 @@
       </p:grpSpPr>
     </p:spTree>
   </p:cSld>
+  <p:clrMapOvr>
+    <a:masterClrMapping/>
+  </p:clrMapOvr>
 </p:sldLayout>
 </file>
 
 <file path=ppt/slideLayouts/slideLayout14.xml><?xml version="1.0" encoding="utf-8"?>
-<p:sldLayout xmlns:a="http://schemas.openxmlformats.org/drawingml/2006/main" xmlns:p="http://schemas.openxmlformats.org/presentationml/2006/main" xmlns:r="http://schemas.openxmlformats.org/officeDocument/2006/relationships" type="tx" preserve="1">
+<p:sldLayout xmlns:a="http://schemas.openxmlformats.org/drawingml/2006/main" xmlns:r="http://schemas.openxmlformats.org/officeDocument/2006/relationships" xmlns:p="http://schemas.openxmlformats.org/presentationml/2006/main" type="tx" preserve="1">
   <p:cSld name="Title Slide">
     <p:spTree>
       <p:nvGrpSpPr>
@@ -514,7 +635,8 @@
           </a:prstGeom>
         </p:spPr>
         <p:txBody>
-          <a:bodyPr lIns="0" rIns="0" tIns="0" bIns="0" anchor="ctr"/>
+          <a:bodyPr lIns="0" tIns="0" rIns="0" bIns="0" anchor="ctr"/>
+          <a:lstStyle/>
           <a:p>
             <a:pPr algn="r"/>
             <a:endParaRPr/>
@@ -541,7 +663,8 @@
           </a:prstGeom>
         </p:spPr>
         <p:txBody>
-          <a:bodyPr lIns="0" rIns="0" tIns="0" bIns="0" anchor="ctr"/>
+          <a:bodyPr lIns="0" tIns="0" rIns="0" bIns="0" anchor="ctr"/>
+          <a:lstStyle/>
           <a:p>
             <a:pPr algn="ctr"/>
             <a:endParaRPr/>
@@ -550,11 +673,14 @@
       </p:sp>
     </p:spTree>
   </p:cSld>
+  <p:clrMapOvr>
+    <a:masterClrMapping/>
+  </p:clrMapOvr>
 </p:sldLayout>
 </file>
 
 <file path=ppt/slideLayouts/slideLayout15.xml><?xml version="1.0" encoding="utf-8"?>
-<p:sldLayout xmlns:a="http://schemas.openxmlformats.org/drawingml/2006/main" xmlns:p="http://schemas.openxmlformats.org/presentationml/2006/main" xmlns:r="http://schemas.openxmlformats.org/officeDocument/2006/relationships" type="obj" preserve="1">
+<p:sldLayout xmlns:a="http://schemas.openxmlformats.org/drawingml/2006/main" xmlns:r="http://schemas.openxmlformats.org/officeDocument/2006/relationships" xmlns:p="http://schemas.openxmlformats.org/presentationml/2006/main" type="obj" preserve="1">
   <p:cSld name="Title, Content">
     <p:spTree>
       <p:nvGrpSpPr>
@@ -590,7 +716,8 @@
           </a:prstGeom>
         </p:spPr>
         <p:txBody>
-          <a:bodyPr lIns="0" rIns="0" tIns="0" bIns="0" anchor="ctr"/>
+          <a:bodyPr lIns="0" tIns="0" rIns="0" bIns="0" anchor="ctr"/>
+          <a:lstStyle/>
           <a:p>
             <a:pPr algn="r"/>
             <a:endParaRPr/>
@@ -617,7 +744,8 @@
           </a:prstGeom>
         </p:spPr>
         <p:txBody>
-          <a:bodyPr lIns="0" rIns="0" tIns="0" bIns="0"/>
+          <a:bodyPr lIns="0" tIns="0" rIns="0" bIns="0"/>
+          <a:lstStyle/>
           <a:p>
             <a:pPr algn="r"/>
             <a:endParaRPr/>
@@ -626,11 +754,14 @@
       </p:sp>
     </p:spTree>
   </p:cSld>
+  <p:clrMapOvr>
+    <a:masterClrMapping/>
+  </p:clrMapOvr>
 </p:sldLayout>
 </file>
 
 <file path=ppt/slideLayouts/slideLayout16.xml><?xml version="1.0" encoding="utf-8"?>
-<p:sldLayout xmlns:a="http://schemas.openxmlformats.org/drawingml/2006/main" xmlns:p="http://schemas.openxmlformats.org/presentationml/2006/main" xmlns:r="http://schemas.openxmlformats.org/officeDocument/2006/relationships" type="twoObj" preserve="1">
+<p:sldLayout xmlns:a="http://schemas.openxmlformats.org/drawingml/2006/main" xmlns:r="http://schemas.openxmlformats.org/officeDocument/2006/relationships" xmlns:p="http://schemas.openxmlformats.org/presentationml/2006/main" type="twoObj" preserve="1">
   <p:cSld name="Title, 2 Content">
     <p:spTree>
       <p:nvGrpSpPr>
@@ -666,7 +797,8 @@
           </a:prstGeom>
         </p:spPr>
         <p:txBody>
-          <a:bodyPr lIns="0" rIns="0" tIns="0" bIns="0" anchor="ctr"/>
+          <a:bodyPr lIns="0" tIns="0" rIns="0" bIns="0" anchor="ctr"/>
+          <a:lstStyle/>
           <a:p>
             <a:pPr algn="r"/>
             <a:endParaRPr/>
@@ -693,7 +825,8 @@
           </a:prstGeom>
         </p:spPr>
         <p:txBody>
-          <a:bodyPr lIns="0" rIns="0" tIns="0" bIns="0"/>
+          <a:bodyPr lIns="0" tIns="0" rIns="0" bIns="0"/>
+          <a:lstStyle/>
           <a:p>
             <a:pPr algn="r"/>
             <a:endParaRPr/>
@@ -720,7 +853,8 @@
           </a:prstGeom>
         </p:spPr>
         <p:txBody>
-          <a:bodyPr lIns="0" rIns="0" tIns="0" bIns="0"/>
+          <a:bodyPr lIns="0" tIns="0" rIns="0" bIns="0"/>
+          <a:lstStyle/>
           <a:p>
             <a:pPr algn="r"/>
             <a:endParaRPr/>
@@ -729,11 +863,14 @@
       </p:sp>
     </p:spTree>
   </p:cSld>
+  <p:clrMapOvr>
+    <a:masterClrMapping/>
+  </p:clrMapOvr>
 </p:sldLayout>
 </file>
 
 <file path=ppt/slideLayouts/slideLayout17.xml><?xml version="1.0" encoding="utf-8"?>
-<p:sldLayout xmlns:a="http://schemas.openxmlformats.org/drawingml/2006/main" xmlns:p="http://schemas.openxmlformats.org/presentationml/2006/main" xmlns:r="http://schemas.openxmlformats.org/officeDocument/2006/relationships" type="titleOnly" preserve="1">
+<p:sldLayout xmlns:a="http://schemas.openxmlformats.org/drawingml/2006/main" xmlns:r="http://schemas.openxmlformats.org/officeDocument/2006/relationships" xmlns:p="http://schemas.openxmlformats.org/presentationml/2006/main" type="titleOnly" preserve="1">
   <p:cSld name="Title Only">
     <p:spTree>
       <p:nvGrpSpPr>
@@ -769,7 +906,8 @@
           </a:prstGeom>
         </p:spPr>
         <p:txBody>
-          <a:bodyPr lIns="0" rIns="0" tIns="0" bIns="0" anchor="ctr"/>
+          <a:bodyPr lIns="0" tIns="0" rIns="0" bIns="0" anchor="ctr"/>
+          <a:lstStyle/>
           <a:p>
             <a:pPr algn="r"/>
             <a:endParaRPr/>
@@ -778,11 +916,14 @@
       </p:sp>
     </p:spTree>
   </p:cSld>
+  <p:clrMapOvr>
+    <a:masterClrMapping/>
+  </p:clrMapOvr>
 </p:sldLayout>
 </file>
 
 <file path=ppt/slideLayouts/slideLayout18.xml><?xml version="1.0" encoding="utf-8"?>
-<p:sldLayout xmlns:a="http://schemas.openxmlformats.org/drawingml/2006/main" xmlns:p="http://schemas.openxmlformats.org/presentationml/2006/main" xmlns:r="http://schemas.openxmlformats.org/officeDocument/2006/relationships" type="objOnly" preserve="1">
+<p:sldLayout xmlns:a="http://schemas.openxmlformats.org/drawingml/2006/main" xmlns:r="http://schemas.openxmlformats.org/officeDocument/2006/relationships" xmlns:p="http://schemas.openxmlformats.org/presentationml/2006/main" type="objOnly" preserve="1">
   <p:cSld name="Centered Text">
     <p:spTree>
       <p:nvGrpSpPr>
@@ -818,7 +959,8 @@
           </a:prstGeom>
         </p:spPr>
         <p:txBody>
-          <a:bodyPr lIns="0" rIns="0" tIns="0" bIns="0" anchor="ctr"/>
+          <a:bodyPr lIns="0" tIns="0" rIns="0" bIns="0" anchor="ctr"/>
+          <a:lstStyle/>
           <a:p>
             <a:pPr algn="ctr"/>
             <a:endParaRPr/>
@@ -827,11 +969,14 @@
       </p:sp>
     </p:spTree>
   </p:cSld>
+  <p:clrMapOvr>
+    <a:masterClrMapping/>
+  </p:clrMapOvr>
 </p:sldLayout>
 </file>
 
 <file path=ppt/slideLayouts/slideLayout19.xml><?xml version="1.0" encoding="utf-8"?>
-<p:sldLayout xmlns:a="http://schemas.openxmlformats.org/drawingml/2006/main" xmlns:p="http://schemas.openxmlformats.org/presentationml/2006/main" xmlns:r="http://schemas.openxmlformats.org/officeDocument/2006/relationships" type="twoObjAndObj" preserve="1">
+<p:sldLayout xmlns:a="http://schemas.openxmlformats.org/drawingml/2006/main" xmlns:r="http://schemas.openxmlformats.org/officeDocument/2006/relationships" xmlns:p="http://schemas.openxmlformats.org/presentationml/2006/main" type="twoObjAndObj" preserve="1">
   <p:cSld name="Title, 2 Content and Content">
     <p:spTree>
       <p:nvGrpSpPr>
@@ -867,7 +1012,8 @@
           </a:prstGeom>
         </p:spPr>
         <p:txBody>
-          <a:bodyPr lIns="0" rIns="0" tIns="0" bIns="0" anchor="ctr"/>
+          <a:bodyPr lIns="0" tIns="0" rIns="0" bIns="0" anchor="ctr"/>
+          <a:lstStyle/>
           <a:p>
             <a:pPr algn="r"/>
             <a:endParaRPr/>
@@ -894,7 +1040,8 @@
           </a:prstGeom>
         </p:spPr>
         <p:txBody>
-          <a:bodyPr lIns="0" rIns="0" tIns="0" bIns="0"/>
+          <a:bodyPr lIns="0" tIns="0" rIns="0" bIns="0"/>
+          <a:lstStyle/>
           <a:p>
             <a:pPr algn="r"/>
             <a:endParaRPr/>
@@ -921,7 +1068,8 @@
           </a:prstGeom>
         </p:spPr>
         <p:txBody>
-          <a:bodyPr lIns="0" rIns="0" tIns="0" bIns="0"/>
+          <a:bodyPr lIns="0" tIns="0" rIns="0" bIns="0"/>
+          <a:lstStyle/>
           <a:p>
             <a:pPr algn="r"/>
             <a:endParaRPr/>
@@ -948,7 +1096,8 @@
           </a:prstGeom>
         </p:spPr>
         <p:txBody>
-          <a:bodyPr lIns="0" rIns="0" tIns="0" bIns="0"/>
+          <a:bodyPr lIns="0" tIns="0" rIns="0" bIns="0"/>
+          <a:lstStyle/>
           <a:p>
             <a:pPr algn="r"/>
             <a:endParaRPr/>
@@ -957,11 +1106,14 @@
       </p:sp>
     </p:spTree>
   </p:cSld>
+  <p:clrMapOvr>
+    <a:masterClrMapping/>
+  </p:clrMapOvr>
 </p:sldLayout>
 </file>
 
 <file path=ppt/slideLayouts/slideLayout2.xml><?xml version="1.0" encoding="utf-8"?>
-<p:sldLayout xmlns:a="http://schemas.openxmlformats.org/drawingml/2006/main" xmlns:p="http://schemas.openxmlformats.org/presentationml/2006/main" xmlns:r="http://schemas.openxmlformats.org/officeDocument/2006/relationships" type="tx" preserve="1">
+<p:sldLayout xmlns:a="http://schemas.openxmlformats.org/drawingml/2006/main" xmlns:r="http://schemas.openxmlformats.org/officeDocument/2006/relationships" xmlns:p="http://schemas.openxmlformats.org/presentationml/2006/main" type="tx" preserve="1">
   <p:cSld name="Title Slide">
     <p:spTree>
       <p:nvGrpSpPr>
@@ -997,7 +1149,8 @@
           </a:prstGeom>
         </p:spPr>
         <p:txBody>
-          <a:bodyPr lIns="0" rIns="0" tIns="0" bIns="0" anchor="ctr"/>
+          <a:bodyPr lIns="0" tIns="0" rIns="0" bIns="0" anchor="ctr"/>
+          <a:lstStyle/>
           <a:p>
             <a:pPr algn="r"/>
             <a:endParaRPr/>
@@ -1024,7 +1177,8 @@
           </a:prstGeom>
         </p:spPr>
         <p:txBody>
-          <a:bodyPr lIns="0" rIns="0" tIns="0" bIns="0" anchor="ctr"/>
+          <a:bodyPr lIns="0" tIns="0" rIns="0" bIns="0" anchor="ctr"/>
+          <a:lstStyle/>
           <a:p>
             <a:pPr algn="ctr"/>
             <a:endParaRPr/>
@@ -1033,11 +1187,14 @@
       </p:sp>
     </p:spTree>
   </p:cSld>
+  <p:clrMapOvr>
+    <a:masterClrMapping/>
+  </p:clrMapOvr>
 </p:sldLayout>
 </file>
 
 <file path=ppt/slideLayouts/slideLayout20.xml><?xml version="1.0" encoding="utf-8"?>
-<p:sldLayout xmlns:a="http://schemas.openxmlformats.org/drawingml/2006/main" xmlns:p="http://schemas.openxmlformats.org/presentationml/2006/main" xmlns:r="http://schemas.openxmlformats.org/officeDocument/2006/relationships" type="objAndTwoObj" preserve="1">
+<p:sldLayout xmlns:a="http://schemas.openxmlformats.org/drawingml/2006/main" xmlns:r="http://schemas.openxmlformats.org/officeDocument/2006/relationships" xmlns:p="http://schemas.openxmlformats.org/presentationml/2006/main" type="objAndTwoObj" preserve="1">
   <p:cSld name="Title Content and 2 Content">
     <p:spTree>
       <p:nvGrpSpPr>
@@ -1073,7 +1230,8 @@
           </a:prstGeom>
         </p:spPr>
         <p:txBody>
-          <a:bodyPr lIns="0" rIns="0" tIns="0" bIns="0" anchor="ctr"/>
+          <a:bodyPr lIns="0" tIns="0" rIns="0" bIns="0" anchor="ctr"/>
+          <a:lstStyle/>
           <a:p>
             <a:pPr algn="r"/>
             <a:endParaRPr/>
@@ -1100,7 +1258,8 @@
           </a:prstGeom>
         </p:spPr>
         <p:txBody>
-          <a:bodyPr lIns="0" rIns="0" tIns="0" bIns="0"/>
+          <a:bodyPr lIns="0" tIns="0" rIns="0" bIns="0"/>
+          <a:lstStyle/>
           <a:p>
             <a:pPr algn="r"/>
             <a:endParaRPr/>
@@ -1127,7 +1286,8 @@
           </a:prstGeom>
         </p:spPr>
         <p:txBody>
-          <a:bodyPr lIns="0" rIns="0" tIns="0" bIns="0"/>
+          <a:bodyPr lIns="0" tIns="0" rIns="0" bIns="0"/>
+          <a:lstStyle/>
           <a:p>
             <a:pPr algn="r"/>
             <a:endParaRPr/>
@@ -1154,7 +1314,8 @@
           </a:prstGeom>
         </p:spPr>
         <p:txBody>
-          <a:bodyPr lIns="0" rIns="0" tIns="0" bIns="0"/>
+          <a:bodyPr lIns="0" tIns="0" rIns="0" bIns="0"/>
+          <a:lstStyle/>
           <a:p>
             <a:pPr algn="r"/>
             <a:endParaRPr/>
@@ -1163,11 +1324,14 @@
       </p:sp>
     </p:spTree>
   </p:cSld>
+  <p:clrMapOvr>
+    <a:masterClrMapping/>
+  </p:clrMapOvr>
 </p:sldLayout>
 </file>
 
 <file path=ppt/slideLayouts/slideLayout21.xml><?xml version="1.0" encoding="utf-8"?>
-<p:sldLayout xmlns:a="http://schemas.openxmlformats.org/drawingml/2006/main" xmlns:p="http://schemas.openxmlformats.org/presentationml/2006/main" xmlns:r="http://schemas.openxmlformats.org/officeDocument/2006/relationships" type="twoObjOverTx" preserve="1">
+<p:sldLayout xmlns:a="http://schemas.openxmlformats.org/drawingml/2006/main" xmlns:r="http://schemas.openxmlformats.org/officeDocument/2006/relationships" xmlns:p="http://schemas.openxmlformats.org/presentationml/2006/main" type="twoObjOverTx" preserve="1">
   <p:cSld name="Title, 2 Content over Content">
     <p:spTree>
       <p:nvGrpSpPr>
@@ -1203,7 +1367,8 @@
           </a:prstGeom>
         </p:spPr>
         <p:txBody>
-          <a:bodyPr lIns="0" rIns="0" tIns="0" bIns="0" anchor="ctr"/>
+          <a:bodyPr lIns="0" tIns="0" rIns="0" bIns="0" anchor="ctr"/>
+          <a:lstStyle/>
           <a:p>
             <a:pPr algn="r"/>
             <a:endParaRPr/>
@@ -1230,7 +1395,8 @@
           </a:prstGeom>
         </p:spPr>
         <p:txBody>
-          <a:bodyPr lIns="0" rIns="0" tIns="0" bIns="0"/>
+          <a:bodyPr lIns="0" tIns="0" rIns="0" bIns="0"/>
+          <a:lstStyle/>
           <a:p>
             <a:pPr algn="r"/>
             <a:endParaRPr/>
@@ -1257,7 +1423,8 @@
           </a:prstGeom>
         </p:spPr>
         <p:txBody>
-          <a:bodyPr lIns="0" rIns="0" tIns="0" bIns="0"/>
+          <a:bodyPr lIns="0" tIns="0" rIns="0" bIns="0"/>
+          <a:lstStyle/>
           <a:p>
             <a:pPr algn="r"/>
             <a:endParaRPr/>
@@ -1284,7 +1451,8 @@
           </a:prstGeom>
         </p:spPr>
         <p:txBody>
-          <a:bodyPr lIns="0" rIns="0" tIns="0" bIns="0"/>
+          <a:bodyPr lIns="0" tIns="0" rIns="0" bIns="0"/>
+          <a:lstStyle/>
           <a:p>
             <a:pPr algn="r"/>
             <a:endParaRPr/>
@@ -1293,11 +1461,14 @@
       </p:sp>
     </p:spTree>
   </p:cSld>
+  <p:clrMapOvr>
+    <a:masterClrMapping/>
+  </p:clrMapOvr>
 </p:sldLayout>
 </file>
 
 <file path=ppt/slideLayouts/slideLayout22.xml><?xml version="1.0" encoding="utf-8"?>
-<p:sldLayout xmlns:a="http://schemas.openxmlformats.org/drawingml/2006/main" xmlns:p="http://schemas.openxmlformats.org/presentationml/2006/main" xmlns:r="http://schemas.openxmlformats.org/officeDocument/2006/relationships" type="objOverTx" preserve="1">
+<p:sldLayout xmlns:a="http://schemas.openxmlformats.org/drawingml/2006/main" xmlns:r="http://schemas.openxmlformats.org/officeDocument/2006/relationships" xmlns:p="http://schemas.openxmlformats.org/presentationml/2006/main" type="objOverTx" preserve="1">
   <p:cSld name="Title, Content over Content">
     <p:spTree>
       <p:nvGrpSpPr>
@@ -1333,7 +1504,8 @@
           </a:prstGeom>
         </p:spPr>
         <p:txBody>
-          <a:bodyPr lIns="0" rIns="0" tIns="0" bIns="0" anchor="ctr"/>
+          <a:bodyPr lIns="0" tIns="0" rIns="0" bIns="0" anchor="ctr"/>
+          <a:lstStyle/>
           <a:p>
             <a:pPr algn="r"/>
             <a:endParaRPr/>
@@ -1360,7 +1532,8 @@
           </a:prstGeom>
         </p:spPr>
         <p:txBody>
-          <a:bodyPr lIns="0" rIns="0" tIns="0" bIns="0"/>
+          <a:bodyPr lIns="0" tIns="0" rIns="0" bIns="0"/>
+          <a:lstStyle/>
           <a:p>
             <a:pPr algn="r"/>
             <a:endParaRPr/>
@@ -1387,7 +1560,8 @@
           </a:prstGeom>
         </p:spPr>
         <p:txBody>
-          <a:bodyPr lIns="0" rIns="0" tIns="0" bIns="0"/>
+          <a:bodyPr lIns="0" tIns="0" rIns="0" bIns="0"/>
+          <a:lstStyle/>
           <a:p>
             <a:pPr algn="r"/>
             <a:endParaRPr/>
@@ -1396,11 +1570,14 @@
       </p:sp>
     </p:spTree>
   </p:cSld>
+  <p:clrMapOvr>
+    <a:masterClrMapping/>
+  </p:clrMapOvr>
 </p:sldLayout>
 </file>
 
 <file path=ppt/slideLayouts/slideLayout23.xml><?xml version="1.0" encoding="utf-8"?>
-<p:sldLayout xmlns:a="http://schemas.openxmlformats.org/drawingml/2006/main" xmlns:p="http://schemas.openxmlformats.org/presentationml/2006/main" xmlns:r="http://schemas.openxmlformats.org/officeDocument/2006/relationships" type="fourObj" preserve="1">
+<p:sldLayout xmlns:a="http://schemas.openxmlformats.org/drawingml/2006/main" xmlns:r="http://schemas.openxmlformats.org/officeDocument/2006/relationships" xmlns:p="http://schemas.openxmlformats.org/presentationml/2006/main" type="fourObj" preserve="1">
   <p:cSld name="Title, 4 Content">
     <p:spTree>
       <p:nvGrpSpPr>
@@ -1436,7 +1613,8 @@
           </a:prstGeom>
         </p:spPr>
         <p:txBody>
-          <a:bodyPr lIns="0" rIns="0" tIns="0" bIns="0" anchor="ctr"/>
+          <a:bodyPr lIns="0" tIns="0" rIns="0" bIns="0" anchor="ctr"/>
+          <a:lstStyle/>
           <a:p>
             <a:pPr algn="r"/>
             <a:endParaRPr/>
@@ -1463,7 +1641,8 @@
           </a:prstGeom>
         </p:spPr>
         <p:txBody>
-          <a:bodyPr lIns="0" rIns="0" tIns="0" bIns="0"/>
+          <a:bodyPr lIns="0" tIns="0" rIns="0" bIns="0"/>
+          <a:lstStyle/>
           <a:p>
             <a:pPr algn="r"/>
             <a:endParaRPr/>
@@ -1490,7 +1669,8 @@
           </a:prstGeom>
         </p:spPr>
         <p:txBody>
-          <a:bodyPr lIns="0" rIns="0" tIns="0" bIns="0"/>
+          <a:bodyPr lIns="0" tIns="0" rIns="0" bIns="0"/>
+          <a:lstStyle/>
           <a:p>
             <a:pPr algn="r"/>
             <a:endParaRPr/>
@@ -1517,7 +1697,8 @@
           </a:prstGeom>
         </p:spPr>
         <p:txBody>
-          <a:bodyPr lIns="0" rIns="0" tIns="0" bIns="0"/>
+          <a:bodyPr lIns="0" tIns="0" rIns="0" bIns="0"/>
+          <a:lstStyle/>
           <a:p>
             <a:pPr algn="r"/>
             <a:endParaRPr/>
@@ -1544,7 +1725,8 @@
           </a:prstGeom>
         </p:spPr>
         <p:txBody>
-          <a:bodyPr lIns="0" rIns="0" tIns="0" bIns="0"/>
+          <a:bodyPr lIns="0" tIns="0" rIns="0" bIns="0"/>
+          <a:lstStyle/>
           <a:p>
             <a:pPr algn="r"/>
             <a:endParaRPr/>
@@ -1553,11 +1735,14 @@
       </p:sp>
     </p:spTree>
   </p:cSld>
+  <p:clrMapOvr>
+    <a:masterClrMapping/>
+  </p:clrMapOvr>
 </p:sldLayout>
 </file>
 
 <file path=ppt/slideLayouts/slideLayout24.xml><?xml version="1.0" encoding="utf-8"?>
-<p:sldLayout xmlns:a="http://schemas.openxmlformats.org/drawingml/2006/main" xmlns:p="http://schemas.openxmlformats.org/presentationml/2006/main" xmlns:r="http://schemas.openxmlformats.org/officeDocument/2006/relationships" type="blank" preserve="1">
+<p:sldLayout xmlns:a="http://schemas.openxmlformats.org/drawingml/2006/main" xmlns:r="http://schemas.openxmlformats.org/officeDocument/2006/relationships" xmlns:p="http://schemas.openxmlformats.org/presentationml/2006/main" type="blank" preserve="1">
   <p:cSld name="Title, 6 Content">
     <p:spTree>
       <p:nvGrpSpPr>
@@ -1593,7 +1778,8 @@
           </a:prstGeom>
         </p:spPr>
         <p:txBody>
-          <a:bodyPr lIns="0" rIns="0" tIns="0" bIns="0" anchor="ctr"/>
+          <a:bodyPr lIns="0" tIns="0" rIns="0" bIns="0" anchor="ctr"/>
+          <a:lstStyle/>
           <a:p>
             <a:pPr algn="r"/>
             <a:endParaRPr/>
@@ -1620,7 +1806,8 @@
           </a:prstGeom>
         </p:spPr>
         <p:txBody>
-          <a:bodyPr lIns="0" rIns="0" tIns="0" bIns="0"/>
+          <a:bodyPr lIns="0" tIns="0" rIns="0" bIns="0"/>
+          <a:lstStyle/>
           <a:p>
             <a:pPr algn="r"/>
             <a:endParaRPr/>
@@ -1647,7 +1834,8 @@
           </a:prstGeom>
         </p:spPr>
         <p:txBody>
-          <a:bodyPr lIns="0" rIns="0" tIns="0" bIns="0"/>
+          <a:bodyPr lIns="0" tIns="0" rIns="0" bIns="0"/>
+          <a:lstStyle/>
           <a:p>
             <a:pPr algn="r"/>
             <a:endParaRPr/>
@@ -1656,7 +1844,7 @@
       </p:sp>
       <p:pic>
         <p:nvPicPr>
-          <p:cNvPr id="76" name="" descr=""/>
+          <p:cNvPr id="76" name="Picture 75"/>
           <p:cNvPicPr/>
           <p:nvPr/>
         </p:nvPicPr>
@@ -1681,12 +1869,12 @@
       </p:pic>
       <p:pic>
         <p:nvPicPr>
-          <p:cNvPr id="77" name="" descr=""/>
+          <p:cNvPr id="77" name="Picture 76"/>
           <p:cNvPicPr/>
           <p:nvPr/>
         </p:nvPicPr>
         <p:blipFill>
-          <a:blip r:embed="rId3"/>
+          <a:blip r:embed="rId2"/>
           <a:stretch>
             <a:fillRect/>
           </a:stretch>
@@ -1706,11 +1894,14 @@
       </p:pic>
     </p:spTree>
   </p:cSld>
+  <p:clrMapOvr>
+    <a:masterClrMapping/>
+  </p:clrMapOvr>
 </p:sldLayout>
 </file>
 
 <file path=ppt/slideLayouts/slideLayout3.xml><?xml version="1.0" encoding="utf-8"?>
-<p:sldLayout xmlns:a="http://schemas.openxmlformats.org/drawingml/2006/main" xmlns:p="http://schemas.openxmlformats.org/presentationml/2006/main" xmlns:r="http://schemas.openxmlformats.org/officeDocument/2006/relationships" type="obj" preserve="1">
+<p:sldLayout xmlns:a="http://schemas.openxmlformats.org/drawingml/2006/main" xmlns:r="http://schemas.openxmlformats.org/officeDocument/2006/relationships" xmlns:p="http://schemas.openxmlformats.org/presentationml/2006/main" type="obj" preserve="1">
   <p:cSld name="Title, Content">
     <p:spTree>
       <p:nvGrpSpPr>
@@ -1746,7 +1937,8 @@
           </a:prstGeom>
         </p:spPr>
         <p:txBody>
-          <a:bodyPr lIns="0" rIns="0" tIns="0" bIns="0" anchor="ctr"/>
+          <a:bodyPr lIns="0" tIns="0" rIns="0" bIns="0" anchor="ctr"/>
+          <a:lstStyle/>
           <a:p>
             <a:pPr algn="r"/>
             <a:endParaRPr/>
@@ -1773,7 +1965,8 @@
           </a:prstGeom>
         </p:spPr>
         <p:txBody>
-          <a:bodyPr lIns="0" rIns="0" tIns="0" bIns="0"/>
+          <a:bodyPr lIns="0" tIns="0" rIns="0" bIns="0"/>
+          <a:lstStyle/>
           <a:p>
             <a:pPr algn="r"/>
             <a:endParaRPr/>
@@ -1782,11 +1975,14 @@
       </p:sp>
     </p:spTree>
   </p:cSld>
+  <p:clrMapOvr>
+    <a:masterClrMapping/>
+  </p:clrMapOvr>
 </p:sldLayout>
 </file>
 
 <file path=ppt/slideLayouts/slideLayout4.xml><?xml version="1.0" encoding="utf-8"?>
-<p:sldLayout xmlns:a="http://schemas.openxmlformats.org/drawingml/2006/main" xmlns:p="http://schemas.openxmlformats.org/presentationml/2006/main" xmlns:r="http://schemas.openxmlformats.org/officeDocument/2006/relationships" type="twoObj" preserve="1">
+<p:sldLayout xmlns:a="http://schemas.openxmlformats.org/drawingml/2006/main" xmlns:r="http://schemas.openxmlformats.org/officeDocument/2006/relationships" xmlns:p="http://schemas.openxmlformats.org/presentationml/2006/main" type="twoObj" preserve="1">
   <p:cSld name="Title, 2 Content">
     <p:spTree>
       <p:nvGrpSpPr>
@@ -1822,7 +2018,8 @@
           </a:prstGeom>
         </p:spPr>
         <p:txBody>
-          <a:bodyPr lIns="0" rIns="0" tIns="0" bIns="0" anchor="ctr"/>
+          <a:bodyPr lIns="0" tIns="0" rIns="0" bIns="0" anchor="ctr"/>
+          <a:lstStyle/>
           <a:p>
             <a:pPr algn="r"/>
             <a:endParaRPr/>
@@ -1849,7 +2046,8 @@
           </a:prstGeom>
         </p:spPr>
         <p:txBody>
-          <a:bodyPr lIns="0" rIns="0" tIns="0" bIns="0"/>
+          <a:bodyPr lIns="0" tIns="0" rIns="0" bIns="0"/>
+          <a:lstStyle/>
           <a:p>
             <a:pPr algn="r"/>
             <a:endParaRPr/>
@@ -1876,7 +2074,8 @@
           </a:prstGeom>
         </p:spPr>
         <p:txBody>
-          <a:bodyPr lIns="0" rIns="0" tIns="0" bIns="0"/>
+          <a:bodyPr lIns="0" tIns="0" rIns="0" bIns="0"/>
+          <a:lstStyle/>
           <a:p>
             <a:pPr algn="r"/>
             <a:endParaRPr/>
@@ -1885,11 +2084,14 @@
       </p:sp>
     </p:spTree>
   </p:cSld>
+  <p:clrMapOvr>
+    <a:masterClrMapping/>
+  </p:clrMapOvr>
 </p:sldLayout>
 </file>
 
 <file path=ppt/slideLayouts/slideLayout5.xml><?xml version="1.0" encoding="utf-8"?>
-<p:sldLayout xmlns:a="http://schemas.openxmlformats.org/drawingml/2006/main" xmlns:p="http://schemas.openxmlformats.org/presentationml/2006/main" xmlns:r="http://schemas.openxmlformats.org/officeDocument/2006/relationships" type="titleOnly" preserve="1">
+<p:sldLayout xmlns:a="http://schemas.openxmlformats.org/drawingml/2006/main" xmlns:r="http://schemas.openxmlformats.org/officeDocument/2006/relationships" xmlns:p="http://schemas.openxmlformats.org/presentationml/2006/main" type="titleOnly" preserve="1">
   <p:cSld name="Title Only">
     <p:spTree>
       <p:nvGrpSpPr>
@@ -1925,7 +2127,8 @@
           </a:prstGeom>
         </p:spPr>
         <p:txBody>
-          <a:bodyPr lIns="0" rIns="0" tIns="0" bIns="0" anchor="ctr"/>
+          <a:bodyPr lIns="0" tIns="0" rIns="0" bIns="0" anchor="ctr"/>
+          <a:lstStyle/>
           <a:p>
             <a:pPr algn="r"/>
             <a:endParaRPr/>
@@ -1934,11 +2137,14 @@
       </p:sp>
     </p:spTree>
   </p:cSld>
+  <p:clrMapOvr>
+    <a:masterClrMapping/>
+  </p:clrMapOvr>
 </p:sldLayout>
 </file>
 
 <file path=ppt/slideLayouts/slideLayout6.xml><?xml version="1.0" encoding="utf-8"?>
-<p:sldLayout xmlns:a="http://schemas.openxmlformats.org/drawingml/2006/main" xmlns:p="http://schemas.openxmlformats.org/presentationml/2006/main" xmlns:r="http://schemas.openxmlformats.org/officeDocument/2006/relationships" type="objOnly" preserve="1">
+<p:sldLayout xmlns:a="http://schemas.openxmlformats.org/drawingml/2006/main" xmlns:r="http://schemas.openxmlformats.org/officeDocument/2006/relationships" xmlns:p="http://schemas.openxmlformats.org/presentationml/2006/main" type="objOnly" preserve="1">
   <p:cSld name="Centered Text">
     <p:spTree>
       <p:nvGrpSpPr>
@@ -1974,7 +2180,8 @@
           </a:prstGeom>
         </p:spPr>
         <p:txBody>
-          <a:bodyPr lIns="0" rIns="0" tIns="0" bIns="0" anchor="ctr"/>
+          <a:bodyPr lIns="0" tIns="0" rIns="0" bIns="0" anchor="ctr"/>
+          <a:lstStyle/>
           <a:p>
             <a:pPr algn="ctr"/>
             <a:endParaRPr/>
@@ -1983,11 +2190,14 @@
       </p:sp>
     </p:spTree>
   </p:cSld>
+  <p:clrMapOvr>
+    <a:masterClrMapping/>
+  </p:clrMapOvr>
 </p:sldLayout>
 </file>
 
 <file path=ppt/slideLayouts/slideLayout7.xml><?xml version="1.0" encoding="utf-8"?>
-<p:sldLayout xmlns:a="http://schemas.openxmlformats.org/drawingml/2006/main" xmlns:p="http://schemas.openxmlformats.org/presentationml/2006/main" xmlns:r="http://schemas.openxmlformats.org/officeDocument/2006/relationships" type="twoObjAndObj" preserve="1">
+<p:sldLayout xmlns:a="http://schemas.openxmlformats.org/drawingml/2006/main" xmlns:r="http://schemas.openxmlformats.org/officeDocument/2006/relationships" xmlns:p="http://schemas.openxmlformats.org/presentationml/2006/main" type="twoObjAndObj" preserve="1">
   <p:cSld name="Title, 2 Content and Content">
     <p:spTree>
       <p:nvGrpSpPr>
@@ -2023,7 +2233,8 @@
           </a:prstGeom>
         </p:spPr>
         <p:txBody>
-          <a:bodyPr lIns="0" rIns="0" tIns="0" bIns="0" anchor="ctr"/>
+          <a:bodyPr lIns="0" tIns="0" rIns="0" bIns="0" anchor="ctr"/>
+          <a:lstStyle/>
           <a:p>
             <a:pPr algn="r"/>
             <a:endParaRPr/>
@@ -2050,7 +2261,8 @@
           </a:prstGeom>
         </p:spPr>
         <p:txBody>
-          <a:bodyPr lIns="0" rIns="0" tIns="0" bIns="0"/>
+          <a:bodyPr lIns="0" tIns="0" rIns="0" bIns="0"/>
+          <a:lstStyle/>
           <a:p>
             <a:pPr algn="r"/>
             <a:endParaRPr/>
@@ -2077,7 +2289,8 @@
           </a:prstGeom>
         </p:spPr>
         <p:txBody>
-          <a:bodyPr lIns="0" rIns="0" tIns="0" bIns="0"/>
+          <a:bodyPr lIns="0" tIns="0" rIns="0" bIns="0"/>
+          <a:lstStyle/>
           <a:p>
             <a:pPr algn="r"/>
             <a:endParaRPr/>
@@ -2104,7 +2317,8 @@
           </a:prstGeom>
         </p:spPr>
         <p:txBody>
-          <a:bodyPr lIns="0" rIns="0" tIns="0" bIns="0"/>
+          <a:bodyPr lIns="0" tIns="0" rIns="0" bIns="0"/>
+          <a:lstStyle/>
           <a:p>
             <a:pPr algn="r"/>
             <a:endParaRPr/>
@@ -2113,11 +2327,14 @@
       </p:sp>
     </p:spTree>
   </p:cSld>
+  <p:clrMapOvr>
+    <a:masterClrMapping/>
+  </p:clrMapOvr>
 </p:sldLayout>
 </file>
 
 <file path=ppt/slideLayouts/slideLayout8.xml><?xml version="1.0" encoding="utf-8"?>
-<p:sldLayout xmlns:a="http://schemas.openxmlformats.org/drawingml/2006/main" xmlns:p="http://schemas.openxmlformats.org/presentationml/2006/main" xmlns:r="http://schemas.openxmlformats.org/officeDocument/2006/relationships" type="objAndTwoObj" preserve="1">
+<p:sldLayout xmlns:a="http://schemas.openxmlformats.org/drawingml/2006/main" xmlns:r="http://schemas.openxmlformats.org/officeDocument/2006/relationships" xmlns:p="http://schemas.openxmlformats.org/presentationml/2006/main" type="objAndTwoObj" preserve="1">
   <p:cSld name="Title Content and 2 Content">
     <p:spTree>
       <p:nvGrpSpPr>
@@ -2153,7 +2370,8 @@
           </a:prstGeom>
         </p:spPr>
         <p:txBody>
-          <a:bodyPr lIns="0" rIns="0" tIns="0" bIns="0" anchor="ctr"/>
+          <a:bodyPr lIns="0" tIns="0" rIns="0" bIns="0" anchor="ctr"/>
+          <a:lstStyle/>
           <a:p>
             <a:pPr algn="r"/>
             <a:endParaRPr/>
@@ -2180,7 +2398,8 @@
           </a:prstGeom>
         </p:spPr>
         <p:txBody>
-          <a:bodyPr lIns="0" rIns="0" tIns="0" bIns="0"/>
+          <a:bodyPr lIns="0" tIns="0" rIns="0" bIns="0"/>
+          <a:lstStyle/>
           <a:p>
             <a:pPr algn="r"/>
             <a:endParaRPr/>
@@ -2207,7 +2426,8 @@
           </a:prstGeom>
         </p:spPr>
         <p:txBody>
-          <a:bodyPr lIns="0" rIns="0" tIns="0" bIns="0"/>
+          <a:bodyPr lIns="0" tIns="0" rIns="0" bIns="0"/>
+          <a:lstStyle/>
           <a:p>
             <a:pPr algn="r"/>
             <a:endParaRPr/>
@@ -2234,7 +2454,8 @@
           </a:prstGeom>
         </p:spPr>
         <p:txBody>
-          <a:bodyPr lIns="0" rIns="0" tIns="0" bIns="0"/>
+          <a:bodyPr lIns="0" tIns="0" rIns="0" bIns="0"/>
+          <a:lstStyle/>
           <a:p>
             <a:pPr algn="r"/>
             <a:endParaRPr/>
@@ -2243,11 +2464,14 @@
       </p:sp>
     </p:spTree>
   </p:cSld>
+  <p:clrMapOvr>
+    <a:masterClrMapping/>
+  </p:clrMapOvr>
 </p:sldLayout>
 </file>
 
 <file path=ppt/slideLayouts/slideLayout9.xml><?xml version="1.0" encoding="utf-8"?>
-<p:sldLayout xmlns:a="http://schemas.openxmlformats.org/drawingml/2006/main" xmlns:p="http://schemas.openxmlformats.org/presentationml/2006/main" xmlns:r="http://schemas.openxmlformats.org/officeDocument/2006/relationships" type="twoObjOverTx" preserve="1">
+<p:sldLayout xmlns:a="http://schemas.openxmlformats.org/drawingml/2006/main" xmlns:r="http://schemas.openxmlformats.org/officeDocument/2006/relationships" xmlns:p="http://schemas.openxmlformats.org/presentationml/2006/main" type="twoObjOverTx" preserve="1">
   <p:cSld name="Title, 2 Content over Content">
     <p:spTree>
       <p:nvGrpSpPr>
@@ -2283,7 +2507,8 @@
           </a:prstGeom>
         </p:spPr>
         <p:txBody>
-          <a:bodyPr lIns="0" rIns="0" tIns="0" bIns="0" anchor="ctr"/>
+          <a:bodyPr lIns="0" tIns="0" rIns="0" bIns="0" anchor="ctr"/>
+          <a:lstStyle/>
           <a:p>
             <a:pPr algn="r"/>
             <a:endParaRPr/>
@@ -2310,7 +2535,8 @@
           </a:prstGeom>
         </p:spPr>
         <p:txBody>
-          <a:bodyPr lIns="0" rIns="0" tIns="0" bIns="0"/>
+          <a:bodyPr lIns="0" tIns="0" rIns="0" bIns="0"/>
+          <a:lstStyle/>
           <a:p>
             <a:pPr algn="r"/>
             <a:endParaRPr/>
@@ -2337,7 +2563,8 @@
           </a:prstGeom>
         </p:spPr>
         <p:txBody>
-          <a:bodyPr lIns="0" rIns="0" tIns="0" bIns="0"/>
+          <a:bodyPr lIns="0" tIns="0" rIns="0" bIns="0"/>
+          <a:lstStyle/>
           <a:p>
             <a:pPr algn="r"/>
             <a:endParaRPr/>
@@ -2364,7 +2591,8 @@
           </a:prstGeom>
         </p:spPr>
         <p:txBody>
-          <a:bodyPr lIns="0" rIns="0" tIns="0" bIns="0"/>
+          <a:bodyPr lIns="0" tIns="0" rIns="0" bIns="0"/>
+          <a:lstStyle/>
           <a:p>
             <a:pPr algn="r"/>
             <a:endParaRPr/>
@@ -2373,17 +2601,21 @@
       </p:sp>
     </p:spTree>
   </p:cSld>
+  <p:clrMapOvr>
+    <a:masterClrMapping/>
+  </p:clrMapOvr>
 </p:sldLayout>
 </file>
 
 <file path=ppt/slideMasters/slideMaster1.xml><?xml version="1.0" encoding="utf-8"?>
-<p:sldMaster xmlns:a="http://schemas.openxmlformats.org/drawingml/2006/main" xmlns:p="http://schemas.openxmlformats.org/presentationml/2006/main" xmlns:r="http://schemas.openxmlformats.org/officeDocument/2006/relationships">
+<p:sldMaster xmlns:a="http://schemas.openxmlformats.org/drawingml/2006/main" xmlns:r="http://schemas.openxmlformats.org/officeDocument/2006/relationships" xmlns:p="http://schemas.openxmlformats.org/presentationml/2006/main">
   <p:cSld>
     <p:bg>
       <p:bgPr>
         <a:solidFill>
-          <a:srgbClr val="ffffff"/>
+          <a:srgbClr val="FFFFFF"/>
         </a:solidFill>
+        <a:effectLst/>
       </p:bgPr>
     </p:bg>
     <p:spTree>
@@ -2402,7 +2634,7 @@
       </p:grpSpPr>
       <p:sp>
         <p:nvSpPr>
-          <p:cNvPr id="0" name="PlaceHolder 1"/>
+          <p:cNvPr id="5" name="PlaceHolder 1"/>
           <p:cNvSpPr>
             <a:spLocks noGrp="1"/>
           </p:cNvSpPr>
@@ -2421,6 +2653,7 @@
         </p:spPr>
         <p:txBody>
           <a:bodyPr anchor="b"/>
+          <a:lstStyle/>
           <a:p>
             <a:pPr algn="ctr">
               <a:lnSpc>
@@ -2442,7 +2675,7 @@
       </p:sp>
       <p:sp>
         <p:nvSpPr>
-          <p:cNvPr id="1" name="PlaceHolder 2"/>
+          <p:cNvPr id="6" name="PlaceHolder 2"/>
           <p:cNvSpPr>
             <a:spLocks noGrp="1"/>
           </p:cNvSpPr>
@@ -2461,6 +2694,7 @@
         </p:spPr>
         <p:txBody>
           <a:bodyPr anchor="ctr"/>
+          <a:lstStyle/>
           <a:p>
             <a:pPr algn="r">
               <a:lnSpc>
@@ -2470,7 +2704,7 @@
             <a:r>
               <a:rPr lang="en-US" sz="1200">
                 <a:solidFill>
-                  <a:srgbClr val="8b8b8b"/>
+                  <a:srgbClr val="8B8B8B"/>
                 </a:solidFill>
                 <a:latin typeface="Calibri"/>
               </a:rPr>
@@ -2501,6 +2735,7 @@
         </p:spPr>
         <p:txBody>
           <a:bodyPr anchor="ctr"/>
+          <a:lstStyle/>
           <a:p>
             <a:endParaRPr/>
           </a:p>
@@ -2527,6 +2762,7 @@
         </p:spPr>
         <p:txBody>
           <a:bodyPr anchor="ctr"/>
+          <a:lstStyle/>
           <a:p>
             <a:pPr>
               <a:lnSpc>
@@ -2536,11 +2772,11 @@
             <a:fld id="{6E25E835-248A-4ABC-8254-06C0DA32ACE3}" type="slidenum">
               <a:rPr lang="en-US" sz="1200">
                 <a:solidFill>
-                  <a:srgbClr val="8b8b8b"/>
+                  <a:srgbClr val="8B8B8B"/>
                 </a:solidFill>
                 <a:latin typeface="Calibri"/>
               </a:rPr>
-              <a:t>&lt;number&gt;</a:t>
+              <a:t>‹#›</a:t>
             </a:fld>
             <a:endParaRPr/>
           </a:p>
@@ -2566,7 +2802,8 @@
           </a:prstGeom>
         </p:spPr>
         <p:txBody>
-          <a:bodyPr lIns="0" rIns="0" tIns="0" bIns="0"/>
+          <a:bodyPr lIns="0" tIns="0" rIns="0" bIns="0"/>
+          <a:lstStyle/>
           <a:p>
             <a:pPr algn="r">
               <a:buSzPct val="45000"/>
@@ -2669,32 +2906,313 @@
       </p:sp>
     </p:spTree>
   </p:cSld>
-  <p:clrMap bg1="lt1" bg2="lt2" tx1="dk1" tx2="dk2" accent1="accent1" accent2="accent2" accent3="accent3" accent4="accent4" accent5="accent5" accent6="accent6" hlink="hlink" folHlink="folHlink"/>
+  <p:clrMap bg1="lt1" tx1="dk1" bg2="lt2" tx2="dk2" accent1="accent1" accent2="accent2" accent3="accent3" accent4="accent4" accent5="accent5" accent6="accent6" hlink="hlink" folHlink="folHlink"/>
   <p:sldLayoutIdLst>
-    <p:sldLayoutId id="2147483649" r:id="rId2"/>
-    <p:sldLayoutId id="2147483650" r:id="rId3"/>
-    <p:sldLayoutId id="2147483651" r:id="rId4"/>
-    <p:sldLayoutId id="2147483652" r:id="rId5"/>
-    <p:sldLayoutId id="2147483653" r:id="rId6"/>
-    <p:sldLayoutId id="2147483654" r:id="rId7"/>
-    <p:sldLayoutId id="2147483655" r:id="rId8"/>
-    <p:sldLayoutId id="2147483656" r:id="rId9"/>
-    <p:sldLayoutId id="2147483657" r:id="rId10"/>
-    <p:sldLayoutId id="2147483658" r:id="rId11"/>
-    <p:sldLayoutId id="2147483659" r:id="rId12"/>
-    <p:sldLayoutId id="2147483660" r:id="rId13"/>
+    <p:sldLayoutId id="2147483649" r:id="rId1"/>
+    <p:sldLayoutId id="2147483650" r:id="rId2"/>
+    <p:sldLayoutId id="2147483651" r:id="rId3"/>
+    <p:sldLayoutId id="2147483652" r:id="rId4"/>
+    <p:sldLayoutId id="2147483653" r:id="rId5"/>
+    <p:sldLayoutId id="2147483654" r:id="rId6"/>
+    <p:sldLayoutId id="2147483655" r:id="rId7"/>
+    <p:sldLayoutId id="2147483656" r:id="rId8"/>
+    <p:sldLayoutId id="2147483657" r:id="rId9"/>
+    <p:sldLayoutId id="2147483658" r:id="rId10"/>
+    <p:sldLayoutId id="2147483659" r:id="rId11"/>
+    <p:sldLayoutId id="2147483660" r:id="rId12"/>
   </p:sldLayoutIdLst>
+  <p:txStyles>
+    <p:titleStyle>
+      <a:lvl1pPr algn="r" defTabSz="914400" rtl="1" eaLnBrk="1" latinLnBrk="0" hangingPunct="1">
+        <a:lnSpc>
+          <a:spcPct val="90000"/>
+        </a:lnSpc>
+        <a:spcBef>
+          <a:spcPct val="0"/>
+        </a:spcBef>
+        <a:buNone/>
+        <a:defRPr sz="4400" kern="1200">
+          <a:solidFill>
+            <a:schemeClr val="tx1"/>
+          </a:solidFill>
+          <a:latin typeface="+mj-lt"/>
+          <a:ea typeface="+mj-ea"/>
+          <a:cs typeface="+mj-cs"/>
+        </a:defRPr>
+      </a:lvl1pPr>
+    </p:titleStyle>
+    <p:bodyStyle>
+      <a:lvl1pPr marL="228600" indent="-228600" algn="r" defTabSz="914400" rtl="1" eaLnBrk="1" latinLnBrk="0" hangingPunct="1">
+        <a:lnSpc>
+          <a:spcPct val="90000"/>
+        </a:lnSpc>
+        <a:spcBef>
+          <a:spcPts val="1000"/>
+        </a:spcBef>
+        <a:buFont typeface="Arial" panose="020B0604020202020204" pitchFamily="34" charset="0"/>
+        <a:buChar char="•"/>
+        <a:defRPr sz="2800" kern="1200">
+          <a:solidFill>
+            <a:schemeClr val="tx1"/>
+          </a:solidFill>
+          <a:latin typeface="+mn-lt"/>
+          <a:ea typeface="+mn-ea"/>
+          <a:cs typeface="+mn-cs"/>
+        </a:defRPr>
+      </a:lvl1pPr>
+      <a:lvl2pPr marL="685800" indent="-228600" algn="r" defTabSz="914400" rtl="1" eaLnBrk="1" latinLnBrk="0" hangingPunct="1">
+        <a:lnSpc>
+          <a:spcPct val="90000"/>
+        </a:lnSpc>
+        <a:spcBef>
+          <a:spcPts val="500"/>
+        </a:spcBef>
+        <a:buFont typeface="Arial" panose="020B0604020202020204" pitchFamily="34" charset="0"/>
+        <a:buChar char="•"/>
+        <a:defRPr sz="2400" kern="1200">
+          <a:solidFill>
+            <a:schemeClr val="tx1"/>
+          </a:solidFill>
+          <a:latin typeface="+mn-lt"/>
+          <a:ea typeface="+mn-ea"/>
+          <a:cs typeface="+mn-cs"/>
+        </a:defRPr>
+      </a:lvl2pPr>
+      <a:lvl3pPr marL="1143000" indent="-228600" algn="r" defTabSz="914400" rtl="1" eaLnBrk="1" latinLnBrk="0" hangingPunct="1">
+        <a:lnSpc>
+          <a:spcPct val="90000"/>
+        </a:lnSpc>
+        <a:spcBef>
+          <a:spcPts val="500"/>
+        </a:spcBef>
+        <a:buFont typeface="Arial" panose="020B0604020202020204" pitchFamily="34" charset="0"/>
+        <a:buChar char="•"/>
+        <a:defRPr sz="2000" kern="1200">
+          <a:solidFill>
+            <a:schemeClr val="tx1"/>
+          </a:solidFill>
+          <a:latin typeface="+mn-lt"/>
+          <a:ea typeface="+mn-ea"/>
+          <a:cs typeface="+mn-cs"/>
+        </a:defRPr>
+      </a:lvl3pPr>
+      <a:lvl4pPr marL="1600200" indent="-228600" algn="r" defTabSz="914400" rtl="1" eaLnBrk="1" latinLnBrk="0" hangingPunct="1">
+        <a:lnSpc>
+          <a:spcPct val="90000"/>
+        </a:lnSpc>
+        <a:spcBef>
+          <a:spcPts val="500"/>
+        </a:spcBef>
+        <a:buFont typeface="Arial" panose="020B0604020202020204" pitchFamily="34" charset="0"/>
+        <a:buChar char="•"/>
+        <a:defRPr sz="1800" kern="1200">
+          <a:solidFill>
+            <a:schemeClr val="tx1"/>
+          </a:solidFill>
+          <a:latin typeface="+mn-lt"/>
+          <a:ea typeface="+mn-ea"/>
+          <a:cs typeface="+mn-cs"/>
+        </a:defRPr>
+      </a:lvl4pPr>
+      <a:lvl5pPr marL="2057400" indent="-228600" algn="r" defTabSz="914400" rtl="1" eaLnBrk="1" latinLnBrk="0" hangingPunct="1">
+        <a:lnSpc>
+          <a:spcPct val="90000"/>
+        </a:lnSpc>
+        <a:spcBef>
+          <a:spcPts val="500"/>
+        </a:spcBef>
+        <a:buFont typeface="Arial" panose="020B0604020202020204" pitchFamily="34" charset="0"/>
+        <a:buChar char="•"/>
+        <a:defRPr sz="1800" kern="1200">
+          <a:solidFill>
+            <a:schemeClr val="tx1"/>
+          </a:solidFill>
+          <a:latin typeface="+mn-lt"/>
+          <a:ea typeface="+mn-ea"/>
+          <a:cs typeface="+mn-cs"/>
+        </a:defRPr>
+      </a:lvl5pPr>
+      <a:lvl6pPr marL="2514600" indent="-228600" algn="r" defTabSz="914400" rtl="1" eaLnBrk="1" latinLnBrk="0" hangingPunct="1">
+        <a:lnSpc>
+          <a:spcPct val="90000"/>
+        </a:lnSpc>
+        <a:spcBef>
+          <a:spcPts val="500"/>
+        </a:spcBef>
+        <a:buFont typeface="Arial" panose="020B0604020202020204" pitchFamily="34" charset="0"/>
+        <a:buChar char="•"/>
+        <a:defRPr sz="1800" kern="1200">
+          <a:solidFill>
+            <a:schemeClr val="tx1"/>
+          </a:solidFill>
+          <a:latin typeface="+mn-lt"/>
+          <a:ea typeface="+mn-ea"/>
+          <a:cs typeface="+mn-cs"/>
+        </a:defRPr>
+      </a:lvl6pPr>
+      <a:lvl7pPr marL="2971800" indent="-228600" algn="r" defTabSz="914400" rtl="1" eaLnBrk="1" latinLnBrk="0" hangingPunct="1">
+        <a:lnSpc>
+          <a:spcPct val="90000"/>
+        </a:lnSpc>
+        <a:spcBef>
+          <a:spcPts val="500"/>
+        </a:spcBef>
+        <a:buFont typeface="Arial" panose="020B0604020202020204" pitchFamily="34" charset="0"/>
+        <a:buChar char="•"/>
+        <a:defRPr sz="1800" kern="1200">
+          <a:solidFill>
+            <a:schemeClr val="tx1"/>
+          </a:solidFill>
+          <a:latin typeface="+mn-lt"/>
+          <a:ea typeface="+mn-ea"/>
+          <a:cs typeface="+mn-cs"/>
+        </a:defRPr>
+      </a:lvl7pPr>
+      <a:lvl8pPr marL="3429000" indent="-228600" algn="r" defTabSz="914400" rtl="1" eaLnBrk="1" latinLnBrk="0" hangingPunct="1">
+        <a:lnSpc>
+          <a:spcPct val="90000"/>
+        </a:lnSpc>
+        <a:spcBef>
+          <a:spcPts val="500"/>
+        </a:spcBef>
+        <a:buFont typeface="Arial" panose="020B0604020202020204" pitchFamily="34" charset="0"/>
+        <a:buChar char="•"/>
+        <a:defRPr sz="1800" kern="1200">
+          <a:solidFill>
+            <a:schemeClr val="tx1"/>
+          </a:solidFill>
+          <a:latin typeface="+mn-lt"/>
+          <a:ea typeface="+mn-ea"/>
+          <a:cs typeface="+mn-cs"/>
+        </a:defRPr>
+      </a:lvl8pPr>
+      <a:lvl9pPr marL="3886200" indent="-228600" algn="r" defTabSz="914400" rtl="1" eaLnBrk="1" latinLnBrk="0" hangingPunct="1">
+        <a:lnSpc>
+          <a:spcPct val="90000"/>
+        </a:lnSpc>
+        <a:spcBef>
+          <a:spcPts val="500"/>
+        </a:spcBef>
+        <a:buFont typeface="Arial" panose="020B0604020202020204" pitchFamily="34" charset="0"/>
+        <a:buChar char="•"/>
+        <a:defRPr sz="1800" kern="1200">
+          <a:solidFill>
+            <a:schemeClr val="tx1"/>
+          </a:solidFill>
+          <a:latin typeface="+mn-lt"/>
+          <a:ea typeface="+mn-ea"/>
+          <a:cs typeface="+mn-cs"/>
+        </a:defRPr>
+      </a:lvl9pPr>
+    </p:bodyStyle>
+    <p:otherStyle>
+      <a:defPPr>
+        <a:defRPr lang="he-IL"/>
+      </a:defPPr>
+      <a:lvl1pPr marL="0" algn="r" defTabSz="914400" rtl="1" eaLnBrk="1" latinLnBrk="0" hangingPunct="1">
+        <a:defRPr sz="1800" kern="1200">
+          <a:solidFill>
+            <a:schemeClr val="tx1"/>
+          </a:solidFill>
+          <a:latin typeface="+mn-lt"/>
+          <a:ea typeface="+mn-ea"/>
+          <a:cs typeface="+mn-cs"/>
+        </a:defRPr>
+      </a:lvl1pPr>
+      <a:lvl2pPr marL="457200" algn="r" defTabSz="914400" rtl="1" eaLnBrk="1" latinLnBrk="0" hangingPunct="1">
+        <a:defRPr sz="1800" kern="1200">
+          <a:solidFill>
+            <a:schemeClr val="tx1"/>
+          </a:solidFill>
+          <a:latin typeface="+mn-lt"/>
+          <a:ea typeface="+mn-ea"/>
+          <a:cs typeface="+mn-cs"/>
+        </a:defRPr>
+      </a:lvl2pPr>
+      <a:lvl3pPr marL="914400" algn="r" defTabSz="914400" rtl="1" eaLnBrk="1" latinLnBrk="0" hangingPunct="1">
+        <a:defRPr sz="1800" kern="1200">
+          <a:solidFill>
+            <a:schemeClr val="tx1"/>
+          </a:solidFill>
+          <a:latin typeface="+mn-lt"/>
+          <a:ea typeface="+mn-ea"/>
+          <a:cs typeface="+mn-cs"/>
+        </a:defRPr>
+      </a:lvl3pPr>
+      <a:lvl4pPr marL="1371600" algn="r" defTabSz="914400" rtl="1" eaLnBrk="1" latinLnBrk="0" hangingPunct="1">
+        <a:defRPr sz="1800" kern="1200">
+          <a:solidFill>
+            <a:schemeClr val="tx1"/>
+          </a:solidFill>
+          <a:latin typeface="+mn-lt"/>
+          <a:ea typeface="+mn-ea"/>
+          <a:cs typeface="+mn-cs"/>
+        </a:defRPr>
+      </a:lvl4pPr>
+      <a:lvl5pPr marL="1828800" algn="r" defTabSz="914400" rtl="1" eaLnBrk="1" latinLnBrk="0" hangingPunct="1">
+        <a:defRPr sz="1800" kern="1200">
+          <a:solidFill>
+            <a:schemeClr val="tx1"/>
+          </a:solidFill>
+          <a:latin typeface="+mn-lt"/>
+          <a:ea typeface="+mn-ea"/>
+          <a:cs typeface="+mn-cs"/>
+        </a:defRPr>
+      </a:lvl5pPr>
+      <a:lvl6pPr marL="2286000" algn="r" defTabSz="914400" rtl="1" eaLnBrk="1" latinLnBrk="0" hangingPunct="1">
+        <a:defRPr sz="1800" kern="1200">
+          <a:solidFill>
+            <a:schemeClr val="tx1"/>
+          </a:solidFill>
+          <a:latin typeface="+mn-lt"/>
+          <a:ea typeface="+mn-ea"/>
+          <a:cs typeface="+mn-cs"/>
+        </a:defRPr>
+      </a:lvl6pPr>
+      <a:lvl7pPr marL="2743200" algn="r" defTabSz="914400" rtl="1" eaLnBrk="1" latinLnBrk="0" hangingPunct="1">
+        <a:defRPr sz="1800" kern="1200">
+          <a:solidFill>
+            <a:schemeClr val="tx1"/>
+          </a:solidFill>
+          <a:latin typeface="+mn-lt"/>
+          <a:ea typeface="+mn-ea"/>
+          <a:cs typeface="+mn-cs"/>
+        </a:defRPr>
+      </a:lvl7pPr>
+      <a:lvl8pPr marL="3200400" algn="r" defTabSz="914400" rtl="1" eaLnBrk="1" latinLnBrk="0" hangingPunct="1">
+        <a:defRPr sz="1800" kern="1200">
+          <a:solidFill>
+            <a:schemeClr val="tx1"/>
+          </a:solidFill>
+          <a:latin typeface="+mn-lt"/>
+          <a:ea typeface="+mn-ea"/>
+          <a:cs typeface="+mn-cs"/>
+        </a:defRPr>
+      </a:lvl8pPr>
+      <a:lvl9pPr marL="3657600" algn="r" defTabSz="914400" rtl="1" eaLnBrk="1" latinLnBrk="0" hangingPunct="1">
+        <a:defRPr sz="1800" kern="1200">
+          <a:solidFill>
+            <a:schemeClr val="tx1"/>
+          </a:solidFill>
+          <a:latin typeface="+mn-lt"/>
+          <a:ea typeface="+mn-ea"/>
+          <a:cs typeface="+mn-cs"/>
+        </a:defRPr>
+      </a:lvl9pPr>
+    </p:otherStyle>
+  </p:txStyles>
 </p:sldMaster>
 </file>
 
 <file path=ppt/slideMasters/slideMaster2.xml><?xml version="1.0" encoding="utf-8"?>
-<p:sldMaster xmlns:a="http://schemas.openxmlformats.org/drawingml/2006/main" xmlns:p="http://schemas.openxmlformats.org/presentationml/2006/main" xmlns:r="http://schemas.openxmlformats.org/officeDocument/2006/relationships">
+<p:sldMaster xmlns:a="http://schemas.openxmlformats.org/drawingml/2006/main" xmlns:r="http://schemas.openxmlformats.org/officeDocument/2006/relationships" xmlns:p="http://schemas.openxmlformats.org/presentationml/2006/main">
   <p:cSld>
     <p:bg>
       <p:bgPr>
         <a:solidFill>
-          <a:srgbClr val="ffffff"/>
+          <a:srgbClr val="FFFFFF"/>
         </a:solidFill>
+        <a:effectLst/>
       </p:bgPr>
     </p:bg>
     <p:spTree>
@@ -2732,6 +3250,7 @@
         </p:spPr>
         <p:txBody>
           <a:bodyPr anchor="ctr"/>
+          <a:lstStyle/>
           <a:p>
             <a:pPr algn="r">
               <a:lnSpc>
@@ -2772,6 +3291,7 @@
         </p:spPr>
         <p:txBody>
           <a:bodyPr/>
+          <a:lstStyle/>
           <a:p>
             <a:pPr>
               <a:buSzPct val="45000"/>
@@ -2992,6 +3512,7 @@
         </p:spPr>
         <p:txBody>
           <a:bodyPr anchor="ctr"/>
+          <a:lstStyle/>
           <a:p>
             <a:pPr algn="r">
               <a:lnSpc>
@@ -3001,7 +3522,7 @@
             <a:r>
               <a:rPr lang="en-US" sz="1200">
                 <a:solidFill>
-                  <a:srgbClr val="8b8b8b"/>
+                  <a:srgbClr val="8B8B8B"/>
                 </a:solidFill>
                 <a:latin typeface="Calibri"/>
               </a:rPr>
@@ -3032,6 +3553,7 @@
         </p:spPr>
         <p:txBody>
           <a:bodyPr anchor="ctr"/>
+          <a:lstStyle/>
           <a:p>
             <a:endParaRPr/>
           </a:p>
@@ -3058,6 +3580,7 @@
         </p:spPr>
         <p:txBody>
           <a:bodyPr anchor="ctr"/>
+          <a:lstStyle/>
           <a:p>
             <a:pPr>
               <a:lnSpc>
@@ -3067,11 +3590,11 @@
             <a:fld id="{1A66ED44-0728-4698-84D3-CA307F6C55F9}" type="slidenum">
               <a:rPr lang="en-US" sz="1200">
                 <a:solidFill>
-                  <a:srgbClr val="8b8b8b"/>
+                  <a:srgbClr val="8B8B8B"/>
                 </a:solidFill>
                 <a:latin typeface="Calibri"/>
               </a:rPr>
-              <a:t>&lt;number&gt;</a:t>
+              <a:t>‹#›</a:t>
             </a:fld>
             <a:endParaRPr/>
           </a:p>
@@ -3079,26 +3602,306 @@
       </p:sp>
     </p:spTree>
   </p:cSld>
-  <p:clrMap bg1="lt1" bg2="lt2" tx1="dk1" tx2="dk2" accent1="accent1" accent2="accent2" accent3="accent3" accent4="accent4" accent5="accent5" accent6="accent6" hlink="hlink" folHlink="folHlink"/>
+  <p:clrMap bg1="lt1" tx1="dk1" bg2="lt2" tx2="dk2" accent1="accent1" accent2="accent2" accent3="accent3" accent4="accent4" accent5="accent5" accent6="accent6" hlink="hlink" folHlink="folHlink"/>
   <p:sldLayoutIdLst>
-    <p:sldLayoutId id="2147483662" r:id="rId2"/>
-    <p:sldLayoutId id="2147483663" r:id="rId3"/>
-    <p:sldLayoutId id="2147483664" r:id="rId4"/>
-    <p:sldLayoutId id="2147483665" r:id="rId5"/>
-    <p:sldLayoutId id="2147483666" r:id="rId6"/>
-    <p:sldLayoutId id="2147483667" r:id="rId7"/>
-    <p:sldLayoutId id="2147483668" r:id="rId8"/>
-    <p:sldLayoutId id="2147483669" r:id="rId9"/>
-    <p:sldLayoutId id="2147483670" r:id="rId10"/>
-    <p:sldLayoutId id="2147483671" r:id="rId11"/>
-    <p:sldLayoutId id="2147483672" r:id="rId12"/>
-    <p:sldLayoutId id="2147483673" r:id="rId13"/>
+    <p:sldLayoutId id="2147483662" r:id="rId1"/>
+    <p:sldLayoutId id="2147483663" r:id="rId2"/>
+    <p:sldLayoutId id="2147483664" r:id="rId3"/>
+    <p:sldLayoutId id="2147483665" r:id="rId4"/>
+    <p:sldLayoutId id="2147483666" r:id="rId5"/>
+    <p:sldLayoutId id="2147483667" r:id="rId6"/>
+    <p:sldLayoutId id="2147483668" r:id="rId7"/>
+    <p:sldLayoutId id="2147483669" r:id="rId8"/>
+    <p:sldLayoutId id="2147483670" r:id="rId9"/>
+    <p:sldLayoutId id="2147483671" r:id="rId10"/>
+    <p:sldLayoutId id="2147483672" r:id="rId11"/>
+    <p:sldLayoutId id="2147483673" r:id="rId12"/>
   </p:sldLayoutIdLst>
+  <p:txStyles>
+    <p:titleStyle>
+      <a:lvl1pPr algn="r" defTabSz="914400" rtl="1" eaLnBrk="1" latinLnBrk="0" hangingPunct="1">
+        <a:lnSpc>
+          <a:spcPct val="90000"/>
+        </a:lnSpc>
+        <a:spcBef>
+          <a:spcPct val="0"/>
+        </a:spcBef>
+        <a:buNone/>
+        <a:defRPr sz="4400" kern="1200">
+          <a:solidFill>
+            <a:schemeClr val="tx1"/>
+          </a:solidFill>
+          <a:latin typeface="+mj-lt"/>
+          <a:ea typeface="+mj-ea"/>
+          <a:cs typeface="+mj-cs"/>
+        </a:defRPr>
+      </a:lvl1pPr>
+    </p:titleStyle>
+    <p:bodyStyle>
+      <a:lvl1pPr marL="228600" indent="-228600" algn="r" defTabSz="914400" rtl="1" eaLnBrk="1" latinLnBrk="0" hangingPunct="1">
+        <a:lnSpc>
+          <a:spcPct val="90000"/>
+        </a:lnSpc>
+        <a:spcBef>
+          <a:spcPts val="1000"/>
+        </a:spcBef>
+        <a:buFont typeface="Arial" panose="020B0604020202020204" pitchFamily="34" charset="0"/>
+        <a:buChar char="•"/>
+        <a:defRPr sz="2800" kern="1200">
+          <a:solidFill>
+            <a:schemeClr val="tx1"/>
+          </a:solidFill>
+          <a:latin typeface="+mn-lt"/>
+          <a:ea typeface="+mn-ea"/>
+          <a:cs typeface="+mn-cs"/>
+        </a:defRPr>
+      </a:lvl1pPr>
+      <a:lvl2pPr marL="685800" indent="-228600" algn="r" defTabSz="914400" rtl="1" eaLnBrk="1" latinLnBrk="0" hangingPunct="1">
+        <a:lnSpc>
+          <a:spcPct val="90000"/>
+        </a:lnSpc>
+        <a:spcBef>
+          <a:spcPts val="500"/>
+        </a:spcBef>
+        <a:buFont typeface="Arial" panose="020B0604020202020204" pitchFamily="34" charset="0"/>
+        <a:buChar char="•"/>
+        <a:defRPr sz="2400" kern="1200">
+          <a:solidFill>
+            <a:schemeClr val="tx1"/>
+          </a:solidFill>
+          <a:latin typeface="+mn-lt"/>
+          <a:ea typeface="+mn-ea"/>
+          <a:cs typeface="+mn-cs"/>
+        </a:defRPr>
+      </a:lvl2pPr>
+      <a:lvl3pPr marL="1143000" indent="-228600" algn="r" defTabSz="914400" rtl="1" eaLnBrk="1" latinLnBrk="0" hangingPunct="1">
+        <a:lnSpc>
+          <a:spcPct val="90000"/>
+        </a:lnSpc>
+        <a:spcBef>
+          <a:spcPts val="500"/>
+        </a:spcBef>
+        <a:buFont typeface="Arial" panose="020B0604020202020204" pitchFamily="34" charset="0"/>
+        <a:buChar char="•"/>
+        <a:defRPr sz="2000" kern="1200">
+          <a:solidFill>
+            <a:schemeClr val="tx1"/>
+          </a:solidFill>
+          <a:latin typeface="+mn-lt"/>
+          <a:ea typeface="+mn-ea"/>
+          <a:cs typeface="+mn-cs"/>
+        </a:defRPr>
+      </a:lvl3pPr>
+      <a:lvl4pPr marL="1600200" indent="-228600" algn="r" defTabSz="914400" rtl="1" eaLnBrk="1" latinLnBrk="0" hangingPunct="1">
+        <a:lnSpc>
+          <a:spcPct val="90000"/>
+        </a:lnSpc>
+        <a:spcBef>
+          <a:spcPts val="500"/>
+        </a:spcBef>
+        <a:buFont typeface="Arial" panose="020B0604020202020204" pitchFamily="34" charset="0"/>
+        <a:buChar char="•"/>
+        <a:defRPr sz="1800" kern="1200">
+          <a:solidFill>
+            <a:schemeClr val="tx1"/>
+          </a:solidFill>
+          <a:latin typeface="+mn-lt"/>
+          <a:ea typeface="+mn-ea"/>
+          <a:cs typeface="+mn-cs"/>
+        </a:defRPr>
+      </a:lvl4pPr>
+      <a:lvl5pPr marL="2057400" indent="-228600" algn="r" defTabSz="914400" rtl="1" eaLnBrk="1" latinLnBrk="0" hangingPunct="1">
+        <a:lnSpc>
+          <a:spcPct val="90000"/>
+        </a:lnSpc>
+        <a:spcBef>
+          <a:spcPts val="500"/>
+        </a:spcBef>
+        <a:buFont typeface="Arial" panose="020B0604020202020204" pitchFamily="34" charset="0"/>
+        <a:buChar char="•"/>
+        <a:defRPr sz="1800" kern="1200">
+          <a:solidFill>
+            <a:schemeClr val="tx1"/>
+          </a:solidFill>
+          <a:latin typeface="+mn-lt"/>
+          <a:ea typeface="+mn-ea"/>
+          <a:cs typeface="+mn-cs"/>
+        </a:defRPr>
+      </a:lvl5pPr>
+      <a:lvl6pPr marL="2514600" indent="-228600" algn="r" defTabSz="914400" rtl="1" eaLnBrk="1" latinLnBrk="0" hangingPunct="1">
+        <a:lnSpc>
+          <a:spcPct val="90000"/>
+        </a:lnSpc>
+        <a:spcBef>
+          <a:spcPts val="500"/>
+        </a:spcBef>
+        <a:buFont typeface="Arial" panose="020B0604020202020204" pitchFamily="34" charset="0"/>
+        <a:buChar char="•"/>
+        <a:defRPr sz="1800" kern="1200">
+          <a:solidFill>
+            <a:schemeClr val="tx1"/>
+          </a:solidFill>
+          <a:latin typeface="+mn-lt"/>
+          <a:ea typeface="+mn-ea"/>
+          <a:cs typeface="+mn-cs"/>
+        </a:defRPr>
+      </a:lvl6pPr>
+      <a:lvl7pPr marL="2971800" indent="-228600" algn="r" defTabSz="914400" rtl="1" eaLnBrk="1" latinLnBrk="0" hangingPunct="1">
+        <a:lnSpc>
+          <a:spcPct val="90000"/>
+        </a:lnSpc>
+        <a:spcBef>
+          <a:spcPts val="500"/>
+        </a:spcBef>
+        <a:buFont typeface="Arial" panose="020B0604020202020204" pitchFamily="34" charset="0"/>
+        <a:buChar char="•"/>
+        <a:defRPr sz="1800" kern="1200">
+          <a:solidFill>
+            <a:schemeClr val="tx1"/>
+          </a:solidFill>
+          <a:latin typeface="+mn-lt"/>
+          <a:ea typeface="+mn-ea"/>
+          <a:cs typeface="+mn-cs"/>
+        </a:defRPr>
+      </a:lvl7pPr>
+      <a:lvl8pPr marL="3429000" indent="-228600" algn="r" defTabSz="914400" rtl="1" eaLnBrk="1" latinLnBrk="0" hangingPunct="1">
+        <a:lnSpc>
+          <a:spcPct val="90000"/>
+        </a:lnSpc>
+        <a:spcBef>
+          <a:spcPts val="500"/>
+        </a:spcBef>
+        <a:buFont typeface="Arial" panose="020B0604020202020204" pitchFamily="34" charset="0"/>
+        <a:buChar char="•"/>
+        <a:defRPr sz="1800" kern="1200">
+          <a:solidFill>
+            <a:schemeClr val="tx1"/>
+          </a:solidFill>
+          <a:latin typeface="+mn-lt"/>
+          <a:ea typeface="+mn-ea"/>
+          <a:cs typeface="+mn-cs"/>
+        </a:defRPr>
+      </a:lvl8pPr>
+      <a:lvl9pPr marL="3886200" indent="-228600" algn="r" defTabSz="914400" rtl="1" eaLnBrk="1" latinLnBrk="0" hangingPunct="1">
+        <a:lnSpc>
+          <a:spcPct val="90000"/>
+        </a:lnSpc>
+        <a:spcBef>
+          <a:spcPts val="500"/>
+        </a:spcBef>
+        <a:buFont typeface="Arial" panose="020B0604020202020204" pitchFamily="34" charset="0"/>
+        <a:buChar char="•"/>
+        <a:defRPr sz="1800" kern="1200">
+          <a:solidFill>
+            <a:schemeClr val="tx1"/>
+          </a:solidFill>
+          <a:latin typeface="+mn-lt"/>
+          <a:ea typeface="+mn-ea"/>
+          <a:cs typeface="+mn-cs"/>
+        </a:defRPr>
+      </a:lvl9pPr>
+    </p:bodyStyle>
+    <p:otherStyle>
+      <a:defPPr>
+        <a:defRPr lang="he-IL"/>
+      </a:defPPr>
+      <a:lvl1pPr marL="0" algn="r" defTabSz="914400" rtl="1" eaLnBrk="1" latinLnBrk="0" hangingPunct="1">
+        <a:defRPr sz="1800" kern="1200">
+          <a:solidFill>
+            <a:schemeClr val="tx1"/>
+          </a:solidFill>
+          <a:latin typeface="+mn-lt"/>
+          <a:ea typeface="+mn-ea"/>
+          <a:cs typeface="+mn-cs"/>
+        </a:defRPr>
+      </a:lvl1pPr>
+      <a:lvl2pPr marL="457200" algn="r" defTabSz="914400" rtl="1" eaLnBrk="1" latinLnBrk="0" hangingPunct="1">
+        <a:defRPr sz="1800" kern="1200">
+          <a:solidFill>
+            <a:schemeClr val="tx1"/>
+          </a:solidFill>
+          <a:latin typeface="+mn-lt"/>
+          <a:ea typeface="+mn-ea"/>
+          <a:cs typeface="+mn-cs"/>
+        </a:defRPr>
+      </a:lvl2pPr>
+      <a:lvl3pPr marL="914400" algn="r" defTabSz="914400" rtl="1" eaLnBrk="1" latinLnBrk="0" hangingPunct="1">
+        <a:defRPr sz="1800" kern="1200">
+          <a:solidFill>
+            <a:schemeClr val="tx1"/>
+          </a:solidFill>
+          <a:latin typeface="+mn-lt"/>
+          <a:ea typeface="+mn-ea"/>
+          <a:cs typeface="+mn-cs"/>
+        </a:defRPr>
+      </a:lvl3pPr>
+      <a:lvl4pPr marL="1371600" algn="r" defTabSz="914400" rtl="1" eaLnBrk="1" latinLnBrk="0" hangingPunct="1">
+        <a:defRPr sz="1800" kern="1200">
+          <a:solidFill>
+            <a:schemeClr val="tx1"/>
+          </a:solidFill>
+          <a:latin typeface="+mn-lt"/>
+          <a:ea typeface="+mn-ea"/>
+          <a:cs typeface="+mn-cs"/>
+        </a:defRPr>
+      </a:lvl4pPr>
+      <a:lvl5pPr marL="1828800" algn="r" defTabSz="914400" rtl="1" eaLnBrk="1" latinLnBrk="0" hangingPunct="1">
+        <a:defRPr sz="1800" kern="1200">
+          <a:solidFill>
+            <a:schemeClr val="tx1"/>
+          </a:solidFill>
+          <a:latin typeface="+mn-lt"/>
+          <a:ea typeface="+mn-ea"/>
+          <a:cs typeface="+mn-cs"/>
+        </a:defRPr>
+      </a:lvl5pPr>
+      <a:lvl6pPr marL="2286000" algn="r" defTabSz="914400" rtl="1" eaLnBrk="1" latinLnBrk="0" hangingPunct="1">
+        <a:defRPr sz="1800" kern="1200">
+          <a:solidFill>
+            <a:schemeClr val="tx1"/>
+          </a:solidFill>
+          <a:latin typeface="+mn-lt"/>
+          <a:ea typeface="+mn-ea"/>
+          <a:cs typeface="+mn-cs"/>
+        </a:defRPr>
+      </a:lvl6pPr>
+      <a:lvl7pPr marL="2743200" algn="r" defTabSz="914400" rtl="1" eaLnBrk="1" latinLnBrk="0" hangingPunct="1">
+        <a:defRPr sz="1800" kern="1200">
+          <a:solidFill>
+            <a:schemeClr val="tx1"/>
+          </a:solidFill>
+          <a:latin typeface="+mn-lt"/>
+          <a:ea typeface="+mn-ea"/>
+          <a:cs typeface="+mn-cs"/>
+        </a:defRPr>
+      </a:lvl7pPr>
+      <a:lvl8pPr marL="3200400" algn="r" defTabSz="914400" rtl="1" eaLnBrk="1" latinLnBrk="0" hangingPunct="1">
+        <a:defRPr sz="1800" kern="1200">
+          <a:solidFill>
+            <a:schemeClr val="tx1"/>
+          </a:solidFill>
+          <a:latin typeface="+mn-lt"/>
+          <a:ea typeface="+mn-ea"/>
+          <a:cs typeface="+mn-cs"/>
+        </a:defRPr>
+      </a:lvl8pPr>
+      <a:lvl9pPr marL="3657600" algn="r" defTabSz="914400" rtl="1" eaLnBrk="1" latinLnBrk="0" hangingPunct="1">
+        <a:defRPr sz="1800" kern="1200">
+          <a:solidFill>
+            <a:schemeClr val="tx1"/>
+          </a:solidFill>
+          <a:latin typeface="+mn-lt"/>
+          <a:ea typeface="+mn-ea"/>
+          <a:cs typeface="+mn-cs"/>
+        </a:defRPr>
+      </a:lvl9pPr>
+    </p:otherStyle>
+  </p:txStyles>
 </p:sldMaster>
 </file>
 
 <file path=ppt/slides/slide1.xml><?xml version="1.0" encoding="utf-8"?>
-<p:sld xmlns:a="http://schemas.openxmlformats.org/drawingml/2006/main" xmlns:p="http://schemas.openxmlformats.org/presentationml/2006/main" xmlns:r="http://schemas.openxmlformats.org/officeDocument/2006/relationships">
+<p:sld xmlns:a="http://schemas.openxmlformats.org/drawingml/2006/main" xmlns:r="http://schemas.openxmlformats.org/officeDocument/2006/relationships" xmlns:p="http://schemas.openxmlformats.org/presentationml/2006/main">
   <p:cSld>
     <p:spTree>
       <p:nvGrpSpPr>
@@ -3131,6 +3934,7 @@
         </p:spPr>
         <p:txBody>
           <a:bodyPr anchor="b"/>
+          <a:lstStyle/>
           <a:p>
             <a:pPr algn="ctr">
               <a:lnSpc>
@@ -3144,16 +3948,7 @@
                 </a:solidFill>
                 <a:latin typeface="Calibri Light"/>
               </a:rPr>
-              <a:t>Simulation</a:t>
-            </a:r>
-            <a:r>
-              <a:rPr lang="en-US" sz="6000">
-                <a:solidFill>
-                  <a:srgbClr val="000000"/>
-                </a:solidFill>
-                <a:latin typeface="Calibri Light"/>
-              </a:rPr>
-              <a:t> framework for molecular dynamics</a:t>
+              <a:t>Simulation framework for molecular dynamics</a:t>
             </a:r>
             <a:endParaRPr/>
           </a:p>
@@ -3176,6 +3971,7 @@
         </p:spPr>
         <p:txBody>
           <a:bodyPr/>
+          <a:lstStyle/>
           <a:p>
             <a:pPr algn="ctr"/>
             <a:r>
@@ -3193,6 +3989,9 @@
       </p:sp>
     </p:spTree>
   </p:cSld>
+  <p:clrMapOvr>
+    <a:masterClrMapping/>
+  </p:clrMapOvr>
   <p:timing>
     <p:tnLst>
       <p:par>
@@ -3201,14 +4000,14 @@
             <p:seq>
               <p:cTn id="2" nodeType="mainSeq"/>
               <p:prevCondLst>
-                <p:cond delay="0" evt="onPrev">
+                <p:cond evt="onPrev" delay="0">
                   <p:tgtEl>
                     <p:sldTgt/>
                   </p:tgtEl>
                 </p:cond>
               </p:prevCondLst>
               <p:nextCondLst>
-                <p:cond delay="0" evt="onNext">
+                <p:cond evt="onNext" delay="0">
                   <p:tgtEl>
                     <p:sldTgt/>
                   </p:tgtEl>
@@ -3224,7 +4023,7 @@
 </file>
 
 <file path=ppt/slides/slide2.xml><?xml version="1.0" encoding="utf-8"?>
-<p:sld xmlns:a="http://schemas.openxmlformats.org/drawingml/2006/main" xmlns:p="http://schemas.openxmlformats.org/presentationml/2006/main" xmlns:r="http://schemas.openxmlformats.org/officeDocument/2006/relationships">
+<p:sld xmlns:a="http://schemas.openxmlformats.org/drawingml/2006/main" xmlns:r="http://schemas.openxmlformats.org/officeDocument/2006/relationships" xmlns:p="http://schemas.openxmlformats.org/presentationml/2006/main">
   <p:cSld>
     <p:spTree>
       <p:nvGrpSpPr>
@@ -3257,14 +4056,15 @@
         </p:spPr>
         <p:txBody>
           <a:bodyPr anchor="ctr"/>
-          <a:p>
-            <a:pPr>
+          <a:lstStyle/>
+          <a:p>
+            <a:pPr algn="l" rtl="0">
               <a:lnSpc>
                 <a:spcPct val="100000"/>
               </a:lnSpc>
             </a:pPr>
             <a:r>
-              <a:rPr lang="en-US" sz="4400">
+              <a:rPr lang="en-US" sz="4400" dirty="0">
                 <a:solidFill>
                   <a:srgbClr val="000000"/>
                 </a:solidFill>
@@ -3272,7 +4072,7 @@
               </a:rPr>
               <a:t>What we aim at with the framework</a:t>
             </a:r>
-            <a:endParaRPr/>
+            <a:endParaRPr dirty="0"/>
           </a:p>
         </p:txBody>
       </p:sp>
@@ -3291,16 +4091,17 @@
             <a:avLst/>
           </a:prstGeom>
           <a:solidFill>
-            <a:srgbClr val="729fcf"/>
+            <a:srgbClr val="729FCF"/>
           </a:solidFill>
           <a:ln>
             <a:solidFill>
-              <a:srgbClr val="3465a4"/>
+              <a:srgbClr val="3465A4"/>
             </a:solidFill>
           </a:ln>
         </p:spPr>
         <p:txBody>
-          <a:bodyPr lIns="90000" rIns="90000" tIns="45000" bIns="45000" anchor="ctr"/>
+          <a:bodyPr lIns="90000" tIns="45000" rIns="90000" bIns="45000" anchor="ctr"/>
+          <a:lstStyle/>
           <a:p>
             <a:pPr algn="ctr"/>
             <a:r>
@@ -3328,16 +4129,17 @@
             <a:avLst/>
           </a:prstGeom>
           <a:solidFill>
-            <a:srgbClr val="729fcf"/>
+            <a:srgbClr val="729FCF"/>
           </a:solidFill>
           <a:ln>
             <a:solidFill>
-              <a:srgbClr val="3465a4"/>
+              <a:srgbClr val="3465A4"/>
             </a:solidFill>
           </a:ln>
         </p:spPr>
         <p:txBody>
-          <a:bodyPr lIns="90000" rIns="90000" tIns="45000" bIns="45000" anchor="ctr"/>
+          <a:bodyPr lIns="90000" tIns="45000" rIns="90000" bIns="45000" anchor="ctr"/>
+          <a:lstStyle/>
           <a:p>
             <a:pPr algn="ctr"/>
             <a:r>
@@ -3365,16 +4167,17 @@
             <a:avLst/>
           </a:prstGeom>
           <a:solidFill>
-            <a:srgbClr val="729fcf"/>
+            <a:srgbClr val="729FCF"/>
           </a:solidFill>
           <a:ln>
             <a:solidFill>
-              <a:srgbClr val="3465a4"/>
+              <a:srgbClr val="3465A4"/>
             </a:solidFill>
           </a:ln>
         </p:spPr>
         <p:txBody>
-          <a:bodyPr lIns="90000" rIns="90000" tIns="45000" bIns="45000" anchor="ctr"/>
+          <a:bodyPr lIns="90000" tIns="45000" rIns="90000" bIns="45000" anchor="ctr"/>
+          <a:lstStyle/>
           <a:p>
             <a:pPr algn="ctr"/>
             <a:r>
@@ -3402,16 +4205,17 @@
             <a:avLst/>
           </a:prstGeom>
           <a:solidFill>
-            <a:srgbClr val="729fcf"/>
+            <a:srgbClr val="729FCF"/>
           </a:solidFill>
           <a:ln>
             <a:solidFill>
-              <a:srgbClr val="3465a4"/>
+              <a:srgbClr val="3465A4"/>
             </a:solidFill>
           </a:ln>
         </p:spPr>
         <p:txBody>
-          <a:bodyPr lIns="90000" rIns="90000" tIns="45000" bIns="45000" anchor="ctr"/>
+          <a:bodyPr lIns="90000" tIns="45000" rIns="90000" bIns="45000" anchor="ctr"/>
+          <a:lstStyle/>
           <a:p>
             <a:pPr algn="ctr"/>
             <a:r>
@@ -3442,11 +4246,11 @@
             </a:avLst>
           </a:prstGeom>
           <a:solidFill>
-            <a:srgbClr val="729fcf"/>
+            <a:srgbClr val="729FCF"/>
           </a:solidFill>
           <a:ln>
             <a:solidFill>
-              <a:srgbClr val="3465a4"/>
+              <a:srgbClr val="3465A4"/>
             </a:solidFill>
           </a:ln>
         </p:spPr>
@@ -3469,11 +4273,11 @@
             </a:avLst>
           </a:prstGeom>
           <a:solidFill>
-            <a:srgbClr val="729fcf"/>
+            <a:srgbClr val="729FCF"/>
           </a:solidFill>
           <a:ln>
             <a:solidFill>
-              <a:srgbClr val="3465a4"/>
+              <a:srgbClr val="3465A4"/>
             </a:solidFill>
           </a:ln>
         </p:spPr>
@@ -3496,11 +4300,11 @@
             </a:avLst>
           </a:prstGeom>
           <a:solidFill>
-            <a:srgbClr val="729fcf"/>
+            <a:srgbClr val="729FCF"/>
           </a:solidFill>
           <a:ln>
             <a:solidFill>
-              <a:srgbClr val="3465a4"/>
+              <a:srgbClr val="3465A4"/>
             </a:solidFill>
           </a:ln>
         </p:spPr>
@@ -3523,11 +4327,11 @@
             </a:avLst>
           </a:prstGeom>
           <a:solidFill>
-            <a:srgbClr val="729fcf"/>
+            <a:srgbClr val="729FCF"/>
           </a:solidFill>
           <a:ln>
             <a:solidFill>
-              <a:srgbClr val="3465a4"/>
+              <a:srgbClr val="3465A4"/>
             </a:solidFill>
           </a:ln>
         </p:spPr>
@@ -3547,16 +4351,17 @@
             <a:avLst/>
           </a:prstGeom>
           <a:solidFill>
-            <a:srgbClr val="99cc99"/>
+            <a:srgbClr val="99CC99"/>
           </a:solidFill>
           <a:ln>
             <a:solidFill>
-              <a:srgbClr val="3465a4"/>
+              <a:srgbClr val="3465A4"/>
             </a:solidFill>
           </a:ln>
         </p:spPr>
         <p:txBody>
-          <a:bodyPr lIns="90000" rIns="90000" tIns="45000" bIns="45000" anchor="ctr"/>
+          <a:bodyPr lIns="90000" tIns="45000" rIns="90000" bIns="45000" anchor="ctr"/>
+          <a:lstStyle/>
           <a:p>
             <a:pPr algn="ctr"/>
             <a:r>
@@ -3587,16 +4392,17 @@
             <a:avLst/>
           </a:prstGeom>
           <a:solidFill>
-            <a:srgbClr val="99cc99"/>
+            <a:srgbClr val="99CC99"/>
           </a:solidFill>
           <a:ln>
             <a:solidFill>
-              <a:srgbClr val="3465a4"/>
+              <a:srgbClr val="3465A4"/>
             </a:solidFill>
           </a:ln>
         </p:spPr>
         <p:txBody>
-          <a:bodyPr lIns="90000" rIns="90000" tIns="45000" bIns="45000" anchor="ctr"/>
+          <a:bodyPr lIns="90000" tIns="45000" rIns="90000" bIns="45000" anchor="ctr"/>
+          <a:lstStyle/>
           <a:p>
             <a:pPr algn="ctr"/>
             <a:r>
@@ -3624,16 +4430,17 @@
             <a:avLst/>
           </a:prstGeom>
           <a:solidFill>
-            <a:srgbClr val="99cc99"/>
+            <a:srgbClr val="99CC99"/>
           </a:solidFill>
           <a:ln>
             <a:solidFill>
-              <a:srgbClr val="3465a4"/>
+              <a:srgbClr val="3465A4"/>
             </a:solidFill>
           </a:ln>
         </p:spPr>
         <p:txBody>
-          <a:bodyPr lIns="90000" rIns="90000" tIns="45000" bIns="45000" anchor="ctr"/>
+          <a:bodyPr lIns="90000" tIns="45000" rIns="90000" bIns="45000" anchor="ctr"/>
+          <a:lstStyle/>
           <a:p>
             <a:pPr algn="ctr"/>
             <a:r>
@@ -3661,16 +4468,17 @@
             <a:avLst/>
           </a:prstGeom>
           <a:solidFill>
-            <a:srgbClr val="99cc99"/>
+            <a:srgbClr val="99CC99"/>
           </a:solidFill>
           <a:ln>
             <a:solidFill>
-              <a:srgbClr val="3465a4"/>
+              <a:srgbClr val="3465A4"/>
             </a:solidFill>
           </a:ln>
         </p:spPr>
         <p:txBody>
-          <a:bodyPr lIns="90000" rIns="90000" tIns="45000" bIns="45000" anchor="ctr"/>
+          <a:bodyPr lIns="90000" tIns="45000" rIns="90000" bIns="45000" anchor="ctr"/>
+          <a:lstStyle/>
           <a:p>
             <a:pPr algn="ctr"/>
             <a:r>
@@ -3685,22 +4493,25 @@
       </p:sp>
     </p:spTree>
   </p:cSld>
+  <p:clrMapOvr>
+    <a:masterClrMapping/>
+  </p:clrMapOvr>
   <p:timing>
     <p:tnLst>
       <p:par>
-        <p:cTn id="3" dur="indefinite" restart="never" nodeType="tmRoot">
+        <p:cTn id="1" dur="indefinite" restart="never" nodeType="tmRoot">
           <p:childTnLst>
             <p:seq>
-              <p:cTn id="4" nodeType="mainSeq"/>
+              <p:cTn id="2" nodeType="mainSeq"/>
               <p:prevCondLst>
-                <p:cond delay="0" evt="onPrev">
+                <p:cond evt="onPrev" delay="0">
                   <p:tgtEl>
                     <p:sldTgt/>
                   </p:tgtEl>
                 </p:cond>
               </p:prevCondLst>
               <p:nextCondLst>
-                <p:cond delay="0" evt="onNext">
+                <p:cond evt="onNext" delay="0">
                   <p:tgtEl>
                     <p:sldTgt/>
                   </p:tgtEl>
@@ -3716,7 +4527,7 @@
 </file>
 
 <file path=ppt/slides/slide3.xml><?xml version="1.0" encoding="utf-8"?>
-<p:sld xmlns:a="http://schemas.openxmlformats.org/drawingml/2006/main" xmlns:p="http://schemas.openxmlformats.org/presentationml/2006/main" xmlns:r="http://schemas.openxmlformats.org/officeDocument/2006/relationships">
+<p:sld xmlns:a="http://schemas.openxmlformats.org/drawingml/2006/main" xmlns:r="http://schemas.openxmlformats.org/officeDocument/2006/relationships" xmlns:p="http://schemas.openxmlformats.org/presentationml/2006/main">
   <p:cSld>
     <p:spTree>
       <p:nvGrpSpPr>
@@ -3749,14 +4560,15 @@
         </p:spPr>
         <p:txBody>
           <a:bodyPr anchor="ctr"/>
-          <a:p>
-            <a:pPr>
+          <a:lstStyle/>
+          <a:p>
+            <a:pPr algn="l" rtl="0">
               <a:lnSpc>
                 <a:spcPct val="100000"/>
               </a:lnSpc>
             </a:pPr>
             <a:r>
-              <a:rPr lang="en-US" sz="4400">
+              <a:rPr lang="en-US" sz="4400" dirty="0">
                 <a:solidFill>
                   <a:srgbClr val="000000"/>
                 </a:solidFill>
@@ -3764,7 +4576,7 @@
               </a:rPr>
               <a:t>Few words about the structure</a:t>
             </a:r>
-            <a:endParaRPr/>
+            <a:endParaRPr dirty="0"/>
           </a:p>
         </p:txBody>
       </p:sp>
@@ -3785,8 +4597,9 @@
         </p:spPr>
         <p:txBody>
           <a:bodyPr/>
-          <a:p>
-            <a:pPr>
+          <a:lstStyle/>
+          <a:p>
+            <a:pPr algn="l" rtl="0">
               <a:lnSpc>
                 <a:spcPct val="100000"/>
               </a:lnSpc>
@@ -3794,7 +4607,7 @@
               <a:buChar char="•"/>
             </a:pPr>
             <a:r>
-              <a:rPr lang="en-US" sz="2800">
+              <a:rPr lang="en-US" sz="2800" dirty="0">
                 <a:solidFill>
                   <a:srgbClr val="000000"/>
                 </a:solidFill>
@@ -3802,7 +4615,7 @@
               </a:rPr>
               <a:t>Two basic structure: a chain, and a domain (1D,2D, 3D)</a:t>
             </a:r>
-            <a:endParaRPr/>
+            <a:endParaRPr dirty="0"/>
           </a:p>
           <a:p>
             <a:pPr>
@@ -3810,7 +4623,7 @@
                 <a:spcPct val="100000"/>
               </a:lnSpc>
             </a:pPr>
-            <a:endParaRPr/>
+            <a:endParaRPr dirty="0"/>
           </a:p>
         </p:txBody>
       </p:sp>
@@ -3831,7 +4644,7 @@
           <a:noFill/>
           <a:ln w="12600">
             <a:solidFill>
-              <a:srgbClr val="43729d"/>
+              <a:srgbClr val="43729D"/>
             </a:solidFill>
             <a:miter/>
           </a:ln>
@@ -3852,11 +4665,11 @@
             <a:avLst/>
           </a:prstGeom>
           <a:solidFill>
-            <a:srgbClr val="5b9bd5"/>
+            <a:srgbClr val="5B9BD5"/>
           </a:solidFill>
           <a:ln w="12600">
             <a:solidFill>
-              <a:srgbClr val="43729d"/>
+              <a:srgbClr val="43729D"/>
             </a:solidFill>
             <a:miter/>
           </a:ln>
@@ -3877,11 +4690,11 @@
             <a:avLst/>
           </a:prstGeom>
           <a:solidFill>
-            <a:srgbClr val="5b9bd5"/>
+            <a:srgbClr val="5B9BD5"/>
           </a:solidFill>
           <a:ln w="12600">
             <a:solidFill>
-              <a:srgbClr val="43729d"/>
+              <a:srgbClr val="43729D"/>
             </a:solidFill>
             <a:miter/>
           </a:ln>
@@ -3902,11 +4715,11 @@
             <a:avLst/>
           </a:prstGeom>
           <a:solidFill>
-            <a:srgbClr val="5b9bd5"/>
+            <a:srgbClr val="5B9BD5"/>
           </a:solidFill>
           <a:ln w="12600">
             <a:solidFill>
-              <a:srgbClr val="43729d"/>
+              <a:srgbClr val="43729D"/>
             </a:solidFill>
             <a:miter/>
           </a:ln>
@@ -3927,11 +4740,11 @@
             <a:avLst/>
           </a:prstGeom>
           <a:solidFill>
-            <a:srgbClr val="5b9bd5"/>
+            <a:srgbClr val="5B9BD5"/>
           </a:solidFill>
           <a:ln w="12600">
             <a:solidFill>
-              <a:srgbClr val="43729d"/>
+              <a:srgbClr val="43729D"/>
             </a:solidFill>
             <a:miter/>
           </a:ln>
@@ -3952,11 +4765,11 @@
             <a:avLst/>
           </a:prstGeom>
           <a:solidFill>
-            <a:srgbClr val="5b9bd5"/>
+            <a:srgbClr val="5B9BD5"/>
           </a:solidFill>
           <a:ln w="12600">
             <a:solidFill>
-              <a:srgbClr val="43729d"/>
+              <a:srgbClr val="43729D"/>
             </a:solidFill>
             <a:miter/>
           </a:ln>
@@ -3977,11 +4790,11 @@
             <a:avLst/>
           </a:prstGeom>
           <a:solidFill>
-            <a:srgbClr val="5b9bd5"/>
+            <a:srgbClr val="5B9BD5"/>
           </a:solidFill>
           <a:ln w="12600">
             <a:solidFill>
-              <a:srgbClr val="43729d"/>
+              <a:srgbClr val="43729D"/>
             </a:solidFill>
             <a:miter/>
           </a:ln>
@@ -4002,11 +4815,11 @@
             <a:avLst/>
           </a:prstGeom>
           <a:solidFill>
-            <a:srgbClr val="5b9bd5"/>
+            <a:srgbClr val="5B9BD5"/>
           </a:solidFill>
           <a:ln w="12600">
             <a:solidFill>
-              <a:srgbClr val="43729d"/>
+              <a:srgbClr val="43729D"/>
             </a:solidFill>
             <a:miter/>
           </a:ln>
@@ -4027,11 +4840,11 @@
             <a:avLst/>
           </a:prstGeom>
           <a:solidFill>
-            <a:srgbClr val="5b9bd5"/>
+            <a:srgbClr val="5B9BD5"/>
           </a:solidFill>
           <a:ln w="12600">
             <a:solidFill>
-              <a:srgbClr val="43729d"/>
+              <a:srgbClr val="43729D"/>
             </a:solidFill>
             <a:miter/>
           </a:ln>
@@ -4052,11 +4865,11 @@
             <a:avLst/>
           </a:prstGeom>
           <a:solidFill>
-            <a:srgbClr val="5b9bd5"/>
+            <a:srgbClr val="5B9BD5"/>
           </a:solidFill>
           <a:ln w="12600">
             <a:solidFill>
-              <a:srgbClr val="43729d"/>
+              <a:srgbClr val="43729D"/>
             </a:solidFill>
             <a:miter/>
           </a:ln>
@@ -4077,11 +4890,11 @@
             <a:avLst/>
           </a:prstGeom>
           <a:solidFill>
-            <a:srgbClr val="5b9bd5"/>
+            <a:srgbClr val="5B9BD5"/>
           </a:solidFill>
           <a:ln w="12600">
             <a:solidFill>
-              <a:srgbClr val="43729d"/>
+              <a:srgbClr val="43729D"/>
             </a:solidFill>
             <a:miter/>
           </a:ln>
@@ -4102,11 +4915,11 @@
             <a:avLst/>
           </a:prstGeom>
           <a:solidFill>
-            <a:srgbClr val="5b9bd5"/>
+            <a:srgbClr val="5B9BD5"/>
           </a:solidFill>
           <a:ln w="12600">
             <a:solidFill>
-              <a:srgbClr val="43729d"/>
+              <a:srgbClr val="43729D"/>
             </a:solidFill>
             <a:miter/>
           </a:ln>
@@ -4127,11 +4940,11 @@
             <a:avLst/>
           </a:prstGeom>
           <a:solidFill>
-            <a:srgbClr val="5b9bd5"/>
+            <a:srgbClr val="5B9BD5"/>
           </a:solidFill>
           <a:ln w="12600">
             <a:solidFill>
-              <a:srgbClr val="43729d"/>
+              <a:srgbClr val="43729D"/>
             </a:solidFill>
             <a:miter/>
           </a:ln>
@@ -4152,11 +4965,11 @@
             <a:avLst/>
           </a:prstGeom>
           <a:solidFill>
-            <a:srgbClr val="5b9bd5"/>
+            <a:srgbClr val="5B9BD5"/>
           </a:solidFill>
           <a:ln w="12600">
             <a:solidFill>
-              <a:srgbClr val="43729d"/>
+              <a:srgbClr val="43729D"/>
             </a:solidFill>
             <a:miter/>
           </a:ln>
@@ -4177,11 +4990,11 @@
             <a:avLst/>
           </a:prstGeom>
           <a:solidFill>
-            <a:srgbClr val="5b9bd5"/>
+            <a:srgbClr val="5B9BD5"/>
           </a:solidFill>
           <a:ln w="12600">
             <a:solidFill>
-              <a:srgbClr val="43729d"/>
+              <a:srgbClr val="43729D"/>
             </a:solidFill>
             <a:miter/>
           </a:ln>
@@ -4202,11 +5015,11 @@
             <a:avLst/>
           </a:prstGeom>
           <a:solidFill>
-            <a:srgbClr val="5b9bd5"/>
+            <a:srgbClr val="5B9BD5"/>
           </a:solidFill>
           <a:ln w="12600">
             <a:solidFill>
-              <a:srgbClr val="43729d"/>
+              <a:srgbClr val="43729D"/>
             </a:solidFill>
             <a:miter/>
           </a:ln>
@@ -4227,11 +5040,11 @@
             <a:avLst/>
           </a:prstGeom>
           <a:solidFill>
-            <a:srgbClr val="5b9bd5"/>
+            <a:srgbClr val="5B9BD5"/>
           </a:solidFill>
           <a:ln w="12600">
             <a:solidFill>
-              <a:srgbClr val="43729d"/>
+              <a:srgbClr val="43729D"/>
             </a:solidFill>
             <a:miter/>
           </a:ln>
@@ -4252,11 +5065,11 @@
             <a:avLst/>
           </a:prstGeom>
           <a:solidFill>
-            <a:srgbClr val="5b9bd5"/>
+            <a:srgbClr val="5B9BD5"/>
           </a:solidFill>
           <a:ln w="12600">
             <a:solidFill>
-              <a:srgbClr val="43729d"/>
+              <a:srgbClr val="43729D"/>
             </a:solidFill>
             <a:miter/>
           </a:ln>
@@ -4277,11 +5090,11 @@
             <a:avLst/>
           </a:prstGeom>
           <a:solidFill>
-            <a:srgbClr val="5b9bd5"/>
+            <a:srgbClr val="5B9BD5"/>
           </a:solidFill>
           <a:ln w="12600">
             <a:solidFill>
-              <a:srgbClr val="43729d"/>
+              <a:srgbClr val="43729D"/>
             </a:solidFill>
             <a:miter/>
           </a:ln>
@@ -4302,11 +5115,11 @@
             <a:avLst/>
           </a:prstGeom>
           <a:solidFill>
-            <a:srgbClr val="5b9bd5"/>
+            <a:srgbClr val="5B9BD5"/>
           </a:solidFill>
           <a:ln w="12600">
             <a:solidFill>
-              <a:srgbClr val="43729d"/>
+              <a:srgbClr val="43729D"/>
             </a:solidFill>
             <a:miter/>
           </a:ln>
@@ -4327,11 +5140,11 @@
             <a:avLst/>
           </a:prstGeom>
           <a:solidFill>
-            <a:srgbClr val="5b9bd5"/>
+            <a:srgbClr val="5B9BD5"/>
           </a:solidFill>
           <a:ln w="12600">
             <a:solidFill>
-              <a:srgbClr val="43729d"/>
+              <a:srgbClr val="43729D"/>
             </a:solidFill>
             <a:miter/>
           </a:ln>
@@ -4352,11 +5165,11 @@
             <a:avLst/>
           </a:prstGeom>
           <a:solidFill>
-            <a:srgbClr val="5b9bd5"/>
+            <a:srgbClr val="5B9BD5"/>
           </a:solidFill>
           <a:ln w="12600">
             <a:solidFill>
-              <a:srgbClr val="43729d"/>
+              <a:srgbClr val="43729D"/>
             </a:solidFill>
             <a:miter/>
           </a:ln>
@@ -4377,11 +5190,11 @@
             <a:avLst/>
           </a:prstGeom>
           <a:solidFill>
-            <a:srgbClr val="5b9bd5"/>
+            <a:srgbClr val="5B9BD5"/>
           </a:solidFill>
           <a:ln w="12600">
             <a:solidFill>
-              <a:srgbClr val="43729d"/>
+              <a:srgbClr val="43729D"/>
             </a:solidFill>
             <a:miter/>
           </a:ln>
@@ -4402,11 +5215,11 @@
             <a:avLst/>
           </a:prstGeom>
           <a:solidFill>
-            <a:srgbClr val="5b9bd5"/>
+            <a:srgbClr val="5B9BD5"/>
           </a:solidFill>
           <a:ln w="12600">
             <a:solidFill>
-              <a:srgbClr val="43729d"/>
+              <a:srgbClr val="43729D"/>
             </a:solidFill>
             <a:miter/>
           </a:ln>
@@ -4427,11 +5240,11 @@
             <a:avLst/>
           </a:prstGeom>
           <a:solidFill>
-            <a:srgbClr val="5b9bd5"/>
+            <a:srgbClr val="5B9BD5"/>
           </a:solidFill>
           <a:ln w="12600">
             <a:solidFill>
-              <a:srgbClr val="43729d"/>
+              <a:srgbClr val="43729D"/>
             </a:solidFill>
             <a:miter/>
           </a:ln>
@@ -4452,11 +5265,11 @@
             <a:avLst/>
           </a:prstGeom>
           <a:solidFill>
-            <a:srgbClr val="5b9bd5"/>
+            <a:srgbClr val="5B9BD5"/>
           </a:solidFill>
           <a:ln w="12600">
             <a:solidFill>
-              <a:srgbClr val="43729d"/>
+              <a:srgbClr val="43729D"/>
             </a:solidFill>
             <a:miter/>
           </a:ln>
@@ -4477,11 +5290,11 @@
             <a:avLst/>
           </a:prstGeom>
           <a:solidFill>
-            <a:srgbClr val="5b9bd5"/>
+            <a:srgbClr val="5B9BD5"/>
           </a:solidFill>
           <a:ln w="12600">
             <a:solidFill>
-              <a:srgbClr val="43729d"/>
+              <a:srgbClr val="43729D"/>
             </a:solidFill>
             <a:miter/>
           </a:ln>
@@ -4502,11 +5315,11 @@
             <a:avLst/>
           </a:prstGeom>
           <a:solidFill>
-            <a:srgbClr val="5b9bd5"/>
+            <a:srgbClr val="5B9BD5"/>
           </a:solidFill>
           <a:ln w="12600">
             <a:solidFill>
-              <a:srgbClr val="43729d"/>
+              <a:srgbClr val="43729D"/>
             </a:solidFill>
             <a:miter/>
           </a:ln>
@@ -4527,11 +5340,11 @@
             <a:avLst/>
           </a:prstGeom>
           <a:solidFill>
-            <a:srgbClr val="5b9bd5"/>
+            <a:srgbClr val="5B9BD5"/>
           </a:solidFill>
           <a:ln w="12600">
             <a:solidFill>
-              <a:srgbClr val="43729d"/>
+              <a:srgbClr val="43729D"/>
             </a:solidFill>
             <a:miter/>
           </a:ln>
@@ -4552,11 +5365,11 @@
             <a:avLst/>
           </a:prstGeom>
           <a:solidFill>
-            <a:srgbClr val="5b9bd5"/>
+            <a:srgbClr val="5B9BD5"/>
           </a:solidFill>
           <a:ln w="12600">
             <a:solidFill>
-              <a:srgbClr val="43729d"/>
+              <a:srgbClr val="43729D"/>
             </a:solidFill>
             <a:miter/>
           </a:ln>
@@ -4577,11 +5390,11 @@
             <a:avLst/>
           </a:prstGeom>
           <a:solidFill>
-            <a:srgbClr val="5b9bd5"/>
+            <a:srgbClr val="5B9BD5"/>
           </a:solidFill>
           <a:ln w="12600">
             <a:solidFill>
-              <a:srgbClr val="43729d"/>
+              <a:srgbClr val="43729D"/>
             </a:solidFill>
             <a:miter/>
           </a:ln>
@@ -4606,7 +5419,7 @@
           </a:solidFill>
           <a:ln w="12600">
             <a:solidFill>
-              <a:srgbClr val="43729d"/>
+              <a:srgbClr val="43729D"/>
             </a:solidFill>
             <a:miter/>
           </a:ln>
@@ -4631,7 +5444,7 @@
           </a:solidFill>
           <a:ln w="12600">
             <a:solidFill>
-              <a:srgbClr val="43729d"/>
+              <a:srgbClr val="43729D"/>
             </a:solidFill>
             <a:miter/>
           </a:ln>
@@ -4656,7 +5469,7 @@
           </a:solidFill>
           <a:ln w="12600">
             <a:solidFill>
-              <a:srgbClr val="43729d"/>
+              <a:srgbClr val="43729D"/>
             </a:solidFill>
             <a:miter/>
           </a:ln>
@@ -4681,7 +5494,7 @@
           </a:solidFill>
           <a:ln w="12600">
             <a:solidFill>
-              <a:srgbClr val="43729d"/>
+              <a:srgbClr val="43729D"/>
             </a:solidFill>
             <a:miter/>
           </a:ln>
@@ -4706,7 +5519,7 @@
           </a:solidFill>
           <a:ln w="12600">
             <a:solidFill>
-              <a:srgbClr val="43729d"/>
+              <a:srgbClr val="43729D"/>
             </a:solidFill>
             <a:miter/>
           </a:ln>
@@ -4731,7 +5544,7 @@
           </a:solidFill>
           <a:ln w="12600">
             <a:solidFill>
-              <a:srgbClr val="43729d"/>
+              <a:srgbClr val="43729D"/>
             </a:solidFill>
             <a:miter/>
           </a:ln>
@@ -4756,7 +5569,7 @@
           </a:solidFill>
           <a:ln w="12600">
             <a:solidFill>
-              <a:srgbClr val="43729d"/>
+              <a:srgbClr val="43729D"/>
             </a:solidFill>
             <a:miter/>
           </a:ln>
@@ -4779,17 +5592,18 @@
             </a:avLst>
           </a:prstGeom>
           <a:solidFill>
-            <a:srgbClr val="5b9bd5"/>
+            <a:srgbClr val="5B9BD5"/>
           </a:solidFill>
           <a:ln w="12600">
             <a:solidFill>
-              <a:srgbClr val="43729d"/>
+              <a:srgbClr val="43729D"/>
             </a:solidFill>
             <a:miter/>
           </a:ln>
         </p:spPr>
         <p:txBody>
-          <a:bodyPr lIns="90000" rIns="90000" tIns="45000" bIns="45000" anchor="ctr"/>
+          <a:bodyPr lIns="90000" tIns="45000" rIns="90000" bIns="45000" anchor="ctr"/>
+          <a:lstStyle/>
           <a:p>
             <a:r>
               <a:rPr lang="en-US">
@@ -4818,17 +5632,18 @@
             </a:avLst>
           </a:prstGeom>
           <a:solidFill>
-            <a:srgbClr val="5b9bd5"/>
+            <a:srgbClr val="5B9BD5"/>
           </a:solidFill>
           <a:ln w="12600">
             <a:solidFill>
-              <a:srgbClr val="43729d"/>
+              <a:srgbClr val="43729D"/>
             </a:solidFill>
             <a:miter/>
           </a:ln>
         </p:spPr>
         <p:txBody>
-          <a:bodyPr lIns="90000" rIns="90000" tIns="45000" bIns="45000" anchor="ctr"/>
+          <a:bodyPr lIns="90000" tIns="45000" rIns="90000" bIns="45000" anchor="ctr"/>
+          <a:lstStyle/>
           <a:p>
             <a:r>
               <a:rPr lang="en-US">
@@ -4855,17 +5670,18 @@
             <a:avLst/>
           </a:prstGeom>
           <a:solidFill>
-            <a:srgbClr val="5b9bd5"/>
+            <a:srgbClr val="5B9BD5"/>
           </a:solidFill>
           <a:ln w="12600">
             <a:solidFill>
-              <a:srgbClr val="43729d"/>
+              <a:srgbClr val="43729D"/>
             </a:solidFill>
             <a:miter/>
           </a:ln>
         </p:spPr>
         <p:txBody>
-          <a:bodyPr lIns="90000" rIns="90000" tIns="45000" bIns="45000" anchor="ctr"/>
+          <a:bodyPr lIns="90000" tIns="45000" rIns="90000" bIns="45000" anchor="ctr"/>
+          <a:lstStyle/>
           <a:p>
             <a:r>
               <a:rPr lang="en-US">
@@ -4893,7 +5709,8 @@
           </a:prstGeom>
         </p:spPr>
         <p:txBody>
-          <a:bodyPr lIns="90000" rIns="90000" tIns="45000" bIns="45000"/>
+          <a:bodyPr lIns="90000" tIns="45000" rIns="90000" bIns="45000"/>
+          <a:lstStyle/>
           <a:p>
             <a:r>
               <a:rPr lang="en-US">
@@ -4920,11 +5737,11 @@
             <a:avLst/>
           </a:prstGeom>
           <a:solidFill>
-            <a:srgbClr val="729fcf"/>
+            <a:srgbClr val="729FCF"/>
           </a:solidFill>
           <a:ln>
             <a:solidFill>
-              <a:srgbClr val="3465a4"/>
+              <a:srgbClr val="3465A4"/>
             </a:solidFill>
           </a:ln>
         </p:spPr>
@@ -4945,7 +5762,8 @@
           </a:prstGeom>
         </p:spPr>
         <p:txBody>
-          <a:bodyPr lIns="90000" rIns="90000" tIns="45000" bIns="45000"/>
+          <a:bodyPr lIns="90000" tIns="45000" rIns="90000" bIns="45000"/>
+          <a:lstStyle/>
           <a:p>
             <a:r>
               <a:rPr lang="en-US">
@@ -4973,7 +5791,8 @@
           </a:prstGeom>
         </p:spPr>
         <p:txBody>
-          <a:bodyPr lIns="90000" rIns="90000" tIns="45000" bIns="45000"/>
+          <a:bodyPr lIns="90000" tIns="45000" rIns="90000" bIns="45000"/>
+          <a:lstStyle/>
           <a:p>
             <a:r>
               <a:rPr lang="en-US">
@@ -4987,22 +5806,25 @@
       </p:sp>
     </p:spTree>
   </p:cSld>
+  <p:clrMapOvr>
+    <a:masterClrMapping/>
+  </p:clrMapOvr>
   <p:timing>
     <p:tnLst>
       <p:par>
-        <p:cTn id="5" dur="indefinite" restart="never" nodeType="tmRoot">
+        <p:cTn id="1" dur="indefinite" restart="never" nodeType="tmRoot">
           <p:childTnLst>
             <p:seq>
-              <p:cTn id="6" nodeType="mainSeq"/>
+              <p:cTn id="2" nodeType="mainSeq"/>
               <p:prevCondLst>
-                <p:cond delay="0" evt="onPrev">
+                <p:cond evt="onPrev" delay="0">
                   <p:tgtEl>
                     <p:sldTgt/>
                   </p:tgtEl>
                 </p:cond>
               </p:prevCondLst>
               <p:nextCondLst>
-                <p:cond delay="0" evt="onNext">
+                <p:cond evt="onNext" delay="0">
                   <p:tgtEl>
                     <p:sldTgt/>
                   </p:tgtEl>
@@ -5018,7 +5840,7 @@
 </file>
 
 <file path=ppt/slides/slide4.xml><?xml version="1.0" encoding="utf-8"?>
-<p:sld xmlns:a="http://schemas.openxmlformats.org/drawingml/2006/main" xmlns:p="http://schemas.openxmlformats.org/presentationml/2006/main" xmlns:r="http://schemas.openxmlformats.org/officeDocument/2006/relationships">
+<p:sld xmlns:a="http://schemas.openxmlformats.org/drawingml/2006/main" xmlns:r="http://schemas.openxmlformats.org/officeDocument/2006/relationships" xmlns:p="http://schemas.openxmlformats.org/presentationml/2006/main">
   <p:cSld>
     <p:spTree>
       <p:nvGrpSpPr>
@@ -5051,14 +5873,15 @@
         </p:spPr>
         <p:txBody>
           <a:bodyPr anchor="ctr"/>
-          <a:p>
-            <a:pPr>
+          <a:lstStyle/>
+          <a:p>
+            <a:pPr algn="l" rtl="0">
               <a:lnSpc>
                 <a:spcPct val="100000"/>
               </a:lnSpc>
             </a:pPr>
             <a:r>
-              <a:rPr lang="en-US" sz="4400">
+              <a:rPr lang="en-US" sz="4400" dirty="0">
                 <a:solidFill>
                   <a:srgbClr val="000000"/>
                 </a:solidFill>
@@ -5066,7 +5889,7 @@
               </a:rPr>
               <a:t>Forces on chains (particles)</a:t>
             </a:r>
-            <a:endParaRPr/>
+            <a:endParaRPr dirty="0"/>
           </a:p>
         </p:txBody>
       </p:sp>
@@ -5087,14 +5910,15 @@
         </p:spPr>
         <p:txBody>
           <a:bodyPr/>
-          <a:p>
-            <a:pPr>
+          <a:lstStyle/>
+          <a:p>
+            <a:pPr algn="l" rtl="0">
               <a:lnSpc>
                 <a:spcPct val="100000"/>
               </a:lnSpc>
             </a:pPr>
             <a:r>
-              <a:rPr b="1" lang="en-US" sz="2800" u="sng">
+              <a:rPr lang="en-US" sz="2800" b="1" u="sng" dirty="0">
                 <a:solidFill>
                   <a:srgbClr val="000000"/>
                 </a:solidFill>
@@ -5103,7 +5927,7 @@
               <a:t>'Internal' forces </a:t>
             </a:r>
             <a:r>
-              <a:rPr lang="en-US" sz="2800">
+              <a:rPr lang="en-US" sz="2800" dirty="0">
                 <a:solidFill>
                   <a:srgbClr val="000000"/>
                 </a:solidFill>
@@ -5111,16 +5935,16 @@
               </a:rPr>
               <a:t>– object's mechanical properties: </a:t>
             </a:r>
-            <a:endParaRPr/>
-          </a:p>
-          <a:p>
-            <a:pPr>
+            <a:endParaRPr dirty="0"/>
+          </a:p>
+          <a:p>
+            <a:pPr algn="l" rtl="0">
               <a:lnSpc>
                 <a:spcPct val="100000"/>
               </a:lnSpc>
             </a:pPr>
             <a:r>
-              <a:rPr lang="en-US" sz="2800">
+              <a:rPr lang="en-US" sz="2800" dirty="0">
                 <a:solidFill>
                   <a:srgbClr val="000000"/>
                 </a:solidFill>
@@ -5128,16 +5952,16 @@
               </a:rPr>
               <a:t>Bond Stiffness</a:t>
             </a:r>
-            <a:endParaRPr/>
-          </a:p>
-          <a:p>
-            <a:pPr>
+            <a:endParaRPr dirty="0"/>
+          </a:p>
+          <a:p>
+            <a:pPr algn="l" rtl="0">
               <a:lnSpc>
                 <a:spcPct val="100000"/>
               </a:lnSpc>
             </a:pPr>
             <a:r>
-              <a:rPr lang="en-US" sz="2800">
+              <a:rPr lang="en-US" sz="2800" dirty="0">
                 <a:solidFill>
                   <a:srgbClr val="000000"/>
                 </a:solidFill>
@@ -5145,16 +5969,16 @@
               </a:rPr>
               <a:t>Bending elasticity</a:t>
             </a:r>
-            <a:endParaRPr/>
-          </a:p>
-          <a:p>
-            <a:pPr>
+            <a:endParaRPr dirty="0"/>
+          </a:p>
+          <a:p>
+            <a:pPr algn="l" rtl="0">
               <a:lnSpc>
                 <a:spcPct val="100000"/>
               </a:lnSpc>
             </a:pPr>
             <a:r>
-              <a:rPr lang="en-US" sz="2800">
+              <a:rPr lang="en-US" sz="2800" dirty="0">
                 <a:solidFill>
                   <a:srgbClr val="000000"/>
                 </a:solidFill>
@@ -5162,16 +5986,16 @@
               </a:rPr>
               <a:t>Spring forces</a:t>
             </a:r>
-            <a:endParaRPr/>
-          </a:p>
-          <a:p>
-            <a:pPr>
+            <a:endParaRPr dirty="0"/>
+          </a:p>
+          <a:p>
+            <a:pPr algn="l" rtl="0">
               <a:lnSpc>
                 <a:spcPct val="100000"/>
               </a:lnSpc>
             </a:pPr>
             <a:r>
-              <a:rPr lang="en-US" sz="2800">
+              <a:rPr lang="en-US" sz="2800" dirty="0">
                 <a:solidFill>
                   <a:srgbClr val="000000"/>
                 </a:solidFill>
@@ -5179,24 +6003,24 @@
               </a:rPr>
               <a:t>Etc…</a:t>
             </a:r>
-            <a:endParaRPr/>
-          </a:p>
-          <a:p>
-            <a:pPr>
+            <a:endParaRPr dirty="0"/>
+          </a:p>
+          <a:p>
+            <a:pPr algn="l" rtl="0">
               <a:lnSpc>
                 <a:spcPct val="100000"/>
               </a:lnSpc>
             </a:pPr>
-            <a:endParaRPr/>
-          </a:p>
-          <a:p>
-            <a:pPr>
+            <a:endParaRPr dirty="0"/>
+          </a:p>
+          <a:p>
+            <a:pPr algn="l" rtl="0">
               <a:lnSpc>
                 <a:spcPct val="100000"/>
               </a:lnSpc>
             </a:pPr>
             <a:r>
-              <a:rPr b="1" lang="en-US" sz="2800" u="sng">
+              <a:rPr lang="en-US" sz="2800" b="1" u="sng" dirty="0">
                 <a:solidFill>
                   <a:srgbClr val="000000"/>
                 </a:solidFill>
@@ -5205,7 +6029,7 @@
               <a:t>'External' forces- </a:t>
             </a:r>
             <a:r>
-              <a:rPr lang="en-US" sz="2800">
+              <a:rPr lang="en-US" sz="2800" dirty="0">
                 <a:solidFill>
                   <a:srgbClr val="000000"/>
                 </a:solidFill>
@@ -5213,16 +6037,16 @@
               </a:rPr>
               <a:t>domain properties:</a:t>
             </a:r>
-            <a:endParaRPr/>
-          </a:p>
-          <a:p>
-            <a:pPr>
+            <a:endParaRPr dirty="0"/>
+          </a:p>
+          <a:p>
+            <a:pPr algn="l" rtl="0">
               <a:lnSpc>
                 <a:spcPct val="100000"/>
               </a:lnSpc>
             </a:pPr>
             <a:r>
-              <a:rPr lang="en-US" sz="2800">
+              <a:rPr lang="en-US" sz="2800" dirty="0">
                 <a:solidFill>
                   <a:srgbClr val="000000"/>
                 </a:solidFill>
@@ -5230,33 +6054,42 @@
               </a:rPr>
               <a:t>Diffusion</a:t>
             </a:r>
-            <a:endParaRPr/>
-          </a:p>
-          <a:p>
-            <a:pPr>
+            <a:endParaRPr dirty="0"/>
+          </a:p>
+          <a:p>
+            <a:pPr algn="l" rtl="0">
               <a:lnSpc>
                 <a:spcPct val="100000"/>
               </a:lnSpc>
             </a:pPr>
             <a:r>
-              <a:rPr lang="en-US" sz="2800">
+              <a:rPr lang="en-US" sz="2800" dirty="0" err="1">
                 <a:solidFill>
                   <a:srgbClr val="000000"/>
                 </a:solidFill>
                 <a:latin typeface="Calibri"/>
               </a:rPr>
-              <a:t>Lennard-Jones</a:t>
-            </a:r>
-            <a:endParaRPr/>
-          </a:p>
-          <a:p>
-            <a:pPr>
+              <a:t>Lennard</a:t>
+            </a:r>
+            <a:r>
+              <a:rPr lang="en-US" sz="2800" dirty="0">
+                <a:solidFill>
+                  <a:srgbClr val="000000"/>
+                </a:solidFill>
+                <a:latin typeface="Calibri"/>
+              </a:rPr>
+              <a:t>-Jones</a:t>
+            </a:r>
+            <a:endParaRPr dirty="0"/>
+          </a:p>
+          <a:p>
+            <a:pPr algn="l" rtl="0">
               <a:lnSpc>
                 <a:spcPct val="100000"/>
               </a:lnSpc>
             </a:pPr>
             <a:r>
-              <a:rPr lang="en-US" sz="2800">
+              <a:rPr lang="en-US" sz="2800" dirty="0">
                 <a:solidFill>
                   <a:srgbClr val="000000"/>
                 </a:solidFill>
@@ -5264,16 +6097,16 @@
               </a:rPr>
               <a:t>Morse</a:t>
             </a:r>
-            <a:endParaRPr/>
-          </a:p>
-          <a:p>
-            <a:pPr>
+            <a:endParaRPr dirty="0"/>
+          </a:p>
+          <a:p>
+            <a:pPr algn="l" rtl="0">
               <a:lnSpc>
                 <a:spcPct val="100000"/>
               </a:lnSpc>
             </a:pPr>
             <a:r>
-              <a:rPr lang="en-US" sz="2800">
+              <a:rPr lang="en-US" sz="2800" dirty="0">
                 <a:solidFill>
                   <a:srgbClr val="000000"/>
                 </a:solidFill>
@@ -5281,16 +6114,16 @@
               </a:rPr>
               <a:t>mechanical</a:t>
             </a:r>
-            <a:endParaRPr/>
-          </a:p>
-          <a:p>
-            <a:pPr>
+            <a:endParaRPr dirty="0"/>
+          </a:p>
+          <a:p>
+            <a:pPr algn="l" rtl="0">
               <a:lnSpc>
                 <a:spcPct val="100000"/>
               </a:lnSpc>
             </a:pPr>
             <a:r>
-              <a:rPr lang="en-US" sz="2800">
+              <a:rPr lang="en-US" sz="2800" dirty="0">
                 <a:solidFill>
                   <a:srgbClr val="000000"/>
                 </a:solidFill>
@@ -5298,36 +6131,39 @@
               </a:rPr>
               <a:t>Etc..</a:t>
             </a:r>
-            <a:endParaRPr/>
-          </a:p>
-          <a:p>
-            <a:pPr>
+            <a:endParaRPr dirty="0"/>
+          </a:p>
+          <a:p>
+            <a:pPr algn="l" rtl="0">
               <a:lnSpc>
                 <a:spcPct val="100000"/>
               </a:lnSpc>
             </a:pPr>
-            <a:endParaRPr/>
+            <a:endParaRPr dirty="0"/>
           </a:p>
         </p:txBody>
       </p:sp>
     </p:spTree>
   </p:cSld>
+  <p:clrMapOvr>
+    <a:masterClrMapping/>
+  </p:clrMapOvr>
   <p:timing>
     <p:tnLst>
       <p:par>
-        <p:cTn id="7" dur="indefinite" restart="never" nodeType="tmRoot">
+        <p:cTn id="1" dur="indefinite" restart="never" nodeType="tmRoot">
           <p:childTnLst>
             <p:seq>
-              <p:cTn id="8" nodeType="mainSeq"/>
+              <p:cTn id="2" nodeType="mainSeq"/>
               <p:prevCondLst>
-                <p:cond delay="0" evt="onPrev">
+                <p:cond evt="onPrev" delay="0">
                   <p:tgtEl>
                     <p:sldTgt/>
                   </p:tgtEl>
                 </p:cond>
               </p:prevCondLst>
               <p:nextCondLst>
-                <p:cond delay="0" evt="onNext">
+                <p:cond evt="onNext" delay="0">
                   <p:tgtEl>
                     <p:sldTgt/>
                   </p:tgtEl>
@@ -5343,7 +6179,7 @@
 </file>
 
 <file path=ppt/slides/slide5.xml><?xml version="1.0" encoding="utf-8"?>
-<p:sld xmlns:a="http://schemas.openxmlformats.org/drawingml/2006/main" xmlns:p="http://schemas.openxmlformats.org/presentationml/2006/main" xmlns:r="http://schemas.openxmlformats.org/officeDocument/2006/relationships">
+<p:sld xmlns:a="http://schemas.openxmlformats.org/drawingml/2006/main" xmlns:r="http://schemas.openxmlformats.org/officeDocument/2006/relationships" xmlns:p="http://schemas.openxmlformats.org/presentationml/2006/main">
   <p:cSld>
     <p:spTree>
       <p:nvGrpSpPr>
@@ -5376,14 +6212,15 @@
         </p:spPr>
         <p:txBody>
           <a:bodyPr anchor="ctr"/>
-          <a:p>
-            <a:pPr>
+          <a:lstStyle/>
+          <a:p>
+            <a:pPr algn="l" rtl="0">
               <a:lnSpc>
                 <a:spcPct val="100000"/>
               </a:lnSpc>
             </a:pPr>
             <a:r>
-              <a:rPr lang="en-US" sz="4400">
+              <a:rPr lang="en-US" sz="4400" dirty="0">
                 <a:solidFill>
                   <a:srgbClr val="000000"/>
                 </a:solidFill>
@@ -5391,7 +6228,7 @@
               </a:rPr>
               <a:t>Domains</a:t>
             </a:r>
-            <a:endParaRPr/>
+            <a:endParaRPr dirty="0"/>
           </a:p>
         </p:txBody>
       </p:sp>
@@ -5412,8 +6249,9 @@
         </p:spPr>
         <p:txBody>
           <a:bodyPr/>
-          <a:p>
-            <a:pPr>
+          <a:lstStyle/>
+          <a:p>
+            <a:pPr algn="l" rtl="0">
               <a:lnSpc>
                 <a:spcPct val="100000"/>
               </a:lnSpc>
@@ -5421,7 +6259,7 @@
               <a:buChar char="•"/>
             </a:pPr>
             <a:r>
-              <a:rPr lang="en-US" sz="2800">
+              <a:rPr lang="en-US" sz="2800" dirty="0">
                 <a:solidFill>
                   <a:srgbClr val="000000"/>
                 </a:solidFill>
@@ -5429,10 +6267,10 @@
               </a:rPr>
               <a:t>Easily define many domain types with different force types</a:t>
             </a:r>
-            <a:endParaRPr/>
-          </a:p>
-          <a:p>
-            <a:pPr>
+            <a:endParaRPr dirty="0"/>
+          </a:p>
+          <a:p>
+            <a:pPr algn="l" rtl="0">
               <a:lnSpc>
                 <a:spcPct val="100000"/>
               </a:lnSpc>
@@ -5440,7 +6278,7 @@
               <a:buChar char="•"/>
             </a:pPr>
             <a:r>
-              <a:rPr lang="en-US" sz="2800">
+              <a:rPr lang="en-US" sz="2800" dirty="0">
                 <a:solidFill>
                   <a:srgbClr val="000000"/>
                 </a:solidFill>
@@ -5448,7 +6286,7 @@
               </a:rPr>
               <a:t>Goal: drag-and-drop with accessible forces menus</a:t>
             </a:r>
-            <a:endParaRPr/>
+            <a:endParaRPr dirty="0"/>
           </a:p>
           <a:p>
             <a:pPr>
@@ -5456,7 +6294,7 @@
                 <a:spcPct val="100000"/>
               </a:lnSpc>
             </a:pPr>
-            <a:endParaRPr/>
+            <a:endParaRPr dirty="0"/>
           </a:p>
           <a:p>
             <a:pPr>
@@ -5464,28 +6302,31 @@
                 <a:spcPct val="100000"/>
               </a:lnSpc>
             </a:pPr>
-            <a:endParaRPr/>
+            <a:endParaRPr dirty="0"/>
           </a:p>
         </p:txBody>
       </p:sp>
     </p:spTree>
   </p:cSld>
+  <p:clrMapOvr>
+    <a:masterClrMapping/>
+  </p:clrMapOvr>
   <p:timing>
     <p:tnLst>
       <p:par>
-        <p:cTn id="9" dur="indefinite" restart="never" nodeType="tmRoot">
+        <p:cTn id="1" dur="indefinite" restart="never" nodeType="tmRoot">
           <p:childTnLst>
             <p:seq>
-              <p:cTn id="10" nodeType="mainSeq"/>
+              <p:cTn id="2" nodeType="mainSeq"/>
               <p:prevCondLst>
-                <p:cond delay="0" evt="onPrev">
+                <p:cond evt="onPrev" delay="0">
                   <p:tgtEl>
                     <p:sldTgt/>
                   </p:tgtEl>
                 </p:cond>
               </p:prevCondLst>
               <p:nextCondLst>
-                <p:cond delay="0" evt="onNext">
+                <p:cond evt="onNext" delay="0">
                   <p:tgtEl>
                     <p:sldTgt/>
                   </p:tgtEl>
@@ -5501,7 +6342,7 @@
 </file>
 
 <file path=ppt/slides/slide6.xml><?xml version="1.0" encoding="utf-8"?>
-<p:sld xmlns:a="http://schemas.openxmlformats.org/drawingml/2006/main" xmlns:p="http://schemas.openxmlformats.org/presentationml/2006/main" xmlns:r="http://schemas.openxmlformats.org/officeDocument/2006/relationships">
+<p:sld xmlns:a="http://schemas.openxmlformats.org/drawingml/2006/main" xmlns:r="http://schemas.openxmlformats.org/officeDocument/2006/relationships" xmlns:p="http://schemas.openxmlformats.org/presentationml/2006/main">
   <p:cSld>
     <p:spTree>
       <p:nvGrpSpPr>
@@ -5534,14 +6375,15 @@
         </p:spPr>
         <p:txBody>
           <a:bodyPr anchor="ctr"/>
-          <a:p>
-            <a:pPr>
+          <a:lstStyle/>
+          <a:p>
+            <a:pPr algn="l" rtl="0">
               <a:lnSpc>
                 <a:spcPct val="100000"/>
               </a:lnSpc>
             </a:pPr>
             <a:r>
-              <a:rPr lang="en-US" sz="4400">
+              <a:rPr lang="en-US" sz="4400" dirty="0">
                 <a:solidFill>
                   <a:srgbClr val="000000"/>
                 </a:solidFill>
@@ -5549,7 +6391,7 @@
               </a:rPr>
               <a:t>Capabilities</a:t>
             </a:r>
-            <a:endParaRPr/>
+            <a:endParaRPr dirty="0"/>
           </a:p>
         </p:txBody>
       </p:sp>
@@ -5570,8 +6412,9 @@
         </p:spPr>
         <p:txBody>
           <a:bodyPr/>
-          <a:p>
-            <a:pPr>
+          <a:lstStyle/>
+          <a:p>
+            <a:pPr algn="l" rtl="0">
               <a:lnSpc>
                 <a:spcPct val="100000"/>
               </a:lnSpc>
@@ -5579,7 +6422,7 @@
               <a:buChar char="•"/>
             </a:pPr>
             <a:r>
-              <a:rPr lang="en-US" sz="2800">
+              <a:rPr lang="en-US" sz="2800" dirty="0">
                 <a:solidFill>
                   <a:srgbClr val="000000"/>
                 </a:solidFill>
@@ -5587,10 +6430,10 @@
               </a:rPr>
               <a:t>Molecular diffusion: inside/outside/on the surface of a (user-defined) domain</a:t>
             </a:r>
-            <a:endParaRPr/>
-          </a:p>
-          <a:p>
-            <a:pPr>
+            <a:endParaRPr dirty="0"/>
+          </a:p>
+          <a:p>
+            <a:pPr algn="l" rtl="0">
               <a:lnSpc>
                 <a:spcPct val="100000"/>
               </a:lnSpc>
@@ -5598,7 +6441,7 @@
               <a:buChar char="•"/>
             </a:pPr>
             <a:r>
-              <a:rPr lang="en-US" sz="2800">
+              <a:rPr lang="en-US" sz="2800" dirty="0">
                 <a:solidFill>
                   <a:srgbClr val="000000"/>
                 </a:solidFill>
@@ -5606,10 +6449,10 @@
               </a:rPr>
               <a:t>Polymer diffusion</a:t>
             </a:r>
-            <a:endParaRPr/>
-          </a:p>
-          <a:p>
-            <a:pPr>
+            <a:endParaRPr dirty="0"/>
+          </a:p>
+          <a:p>
+            <a:pPr algn="l" rtl="0">
               <a:lnSpc>
                 <a:spcPct val="100000"/>
               </a:lnSpc>
@@ -5617,7 +6460,7 @@
               <a:buChar char="•"/>
             </a:pPr>
             <a:r>
-              <a:rPr lang="en-US" sz="2800">
+              <a:rPr lang="en-US" sz="2800" dirty="0">
                 <a:solidFill>
                   <a:srgbClr val="000000"/>
                 </a:solidFill>
@@ -5625,10 +6468,10 @@
               </a:rPr>
               <a:t>Diffusion of molecules (or polymers) on polymers</a:t>
             </a:r>
-            <a:endParaRPr/>
-          </a:p>
-          <a:p>
-            <a:pPr>
+            <a:endParaRPr dirty="0"/>
+          </a:p>
+          <a:p>
+            <a:pPr algn="l" rtl="0">
               <a:lnSpc>
                 <a:spcPct val="100000"/>
               </a:lnSpc>
@@ -5636,7 +6479,7 @@
               <a:buChar char="•"/>
             </a:pPr>
             <a:r>
-              <a:rPr lang="en-US" sz="2800">
+              <a:rPr lang="en-US" sz="2800" dirty="0">
                 <a:solidFill>
                   <a:srgbClr val="000000"/>
                 </a:solidFill>
@@ -5644,10 +6487,10 @@
               </a:rPr>
               <a:t>Many chain simulation</a:t>
             </a:r>
-            <a:endParaRPr/>
-          </a:p>
-          <a:p>
-            <a:pPr>
+            <a:endParaRPr dirty="0"/>
+          </a:p>
+          <a:p>
+            <a:pPr algn="l" rtl="0">
               <a:lnSpc>
                 <a:spcPct val="100000"/>
               </a:lnSpc>
@@ -5655,7 +6498,7 @@
               <a:buChar char="•"/>
             </a:pPr>
             <a:r>
-              <a:rPr lang="en-US" sz="2800">
+              <a:rPr lang="en-US" sz="2800" dirty="0">
                 <a:solidFill>
                   <a:srgbClr val="000000"/>
                 </a:solidFill>
@@ -5663,10 +6506,10 @@
               </a:rPr>
               <a:t>Dynamic association/dissociation of objects (chain-chain/ chain-domain)</a:t>
             </a:r>
-            <a:endParaRPr/>
-          </a:p>
-          <a:p>
-            <a:pPr>
+            <a:endParaRPr dirty="0"/>
+          </a:p>
+          <a:p>
+            <a:pPr algn="l" rtl="0">
               <a:lnSpc>
                 <a:spcPct val="100000"/>
               </a:lnSpc>
@@ -5674,7 +6517,7 @@
               <a:buChar char="•"/>
             </a:pPr>
             <a:r>
-              <a:rPr lang="en-US" sz="2800">
+              <a:rPr lang="en-US" sz="2800" dirty="0">
                 <a:solidFill>
                   <a:srgbClr val="000000"/>
                 </a:solidFill>
@@ -5682,10 +6525,10 @@
               </a:rPr>
               <a:t>Chain &amp; molecules simulations</a:t>
             </a:r>
-            <a:endParaRPr/>
-          </a:p>
-          <a:p>
-            <a:pPr>
+            <a:endParaRPr dirty="0"/>
+          </a:p>
+          <a:p>
+            <a:pPr algn="l" rtl="0">
               <a:lnSpc>
                 <a:spcPct val="100000"/>
               </a:lnSpc>
@@ -5693,7 +6536,7 @@
               <a:buChar char="•"/>
             </a:pPr>
             <a:r>
-              <a:rPr lang="en-US" sz="2800">
+              <a:rPr lang="en-US" sz="2800" dirty="0">
                 <a:solidFill>
                   <a:srgbClr val="000000"/>
                 </a:solidFill>
@@ -5701,10 +6544,10 @@
               </a:rPr>
               <a:t>Domain motion</a:t>
             </a:r>
-            <a:endParaRPr/>
-          </a:p>
-          <a:p>
-            <a:pPr>
+            <a:endParaRPr dirty="0"/>
+          </a:p>
+          <a:p>
+            <a:pPr algn="l" rtl="0">
               <a:lnSpc>
                 <a:spcPct val="100000"/>
               </a:lnSpc>
@@ -5712,7 +6555,7 @@
               <a:buChar char="•"/>
             </a:pPr>
             <a:r>
-              <a:rPr lang="en-US" sz="2800">
+              <a:rPr lang="en-US" sz="2800" dirty="0">
                 <a:solidFill>
                   <a:srgbClr val="000000"/>
                 </a:solidFill>
@@ -5720,10 +6563,10 @@
               </a:rPr>
               <a:t>Various predefined molecular/mechanical forces</a:t>
             </a:r>
-            <a:endParaRPr/>
-          </a:p>
-          <a:p>
-            <a:pPr>
+            <a:endParaRPr dirty="0"/>
+          </a:p>
+          <a:p>
+            <a:pPr algn="l" rtl="0">
               <a:lnSpc>
                 <a:spcPct val="100000"/>
               </a:lnSpc>
@@ -5731,7 +6574,7 @@
               <a:buChar char="•"/>
             </a:pPr>
             <a:r>
-              <a:rPr lang="en-US" sz="2800">
+              <a:rPr lang="en-US" sz="2800" dirty="0">
                 <a:solidFill>
                   <a:srgbClr val="000000"/>
                 </a:solidFill>
@@ -5739,28 +6582,31 @@
               </a:rPr>
               <a:t>Dynamic adjustment to simulate experimental settings</a:t>
             </a:r>
-            <a:endParaRPr/>
+            <a:endParaRPr dirty="0"/>
           </a:p>
         </p:txBody>
       </p:sp>
     </p:spTree>
   </p:cSld>
+  <p:clrMapOvr>
+    <a:masterClrMapping/>
+  </p:clrMapOvr>
   <p:timing>
     <p:tnLst>
       <p:par>
-        <p:cTn id="11" dur="indefinite" restart="never" nodeType="tmRoot">
+        <p:cTn id="1" dur="indefinite" restart="never" nodeType="tmRoot">
           <p:childTnLst>
             <p:seq>
-              <p:cTn id="12" nodeType="mainSeq"/>
+              <p:cTn id="2" nodeType="mainSeq"/>
               <p:prevCondLst>
-                <p:cond delay="0" evt="onPrev">
+                <p:cond evt="onPrev" delay="0">
                   <p:tgtEl>
                     <p:sldTgt/>
                   </p:tgtEl>
                 </p:cond>
               </p:prevCondLst>
               <p:nextCondLst>
-                <p:cond delay="0" evt="onNext">
+                <p:cond evt="onNext" delay="0">
                   <p:tgtEl>
                     <p:sldTgt/>
                   </p:tgtEl>
@@ -5776,7 +6622,7 @@
 </file>
 
 <file path=ppt/slides/slide7.xml><?xml version="1.0" encoding="utf-8"?>
-<p:sld xmlns:a="http://schemas.openxmlformats.org/drawingml/2006/main" xmlns:p="http://schemas.openxmlformats.org/presentationml/2006/main" xmlns:r="http://schemas.openxmlformats.org/officeDocument/2006/relationships">
+<p:sld xmlns:a="http://schemas.openxmlformats.org/drawingml/2006/main" xmlns:r="http://schemas.openxmlformats.org/officeDocument/2006/relationships" xmlns:p="http://schemas.openxmlformats.org/presentationml/2006/main">
   <p:cSld>
     <p:spTree>
       <p:nvGrpSpPr>
@@ -5809,14 +6655,15 @@
         </p:spPr>
         <p:txBody>
           <a:bodyPr anchor="ctr"/>
-          <a:p>
-            <a:pPr>
+          <a:lstStyle/>
+          <a:p>
+            <a:pPr algn="l" rtl="0">
               <a:lnSpc>
                 <a:spcPct val="100000"/>
               </a:lnSpc>
             </a:pPr>
             <a:r>
-              <a:rPr lang="en-US" sz="4400">
+              <a:rPr lang="en-US" sz="4400" dirty="0">
                 <a:solidFill>
                   <a:srgbClr val="000000"/>
                 </a:solidFill>
@@ -5824,7 +6671,7 @@
               </a:rPr>
               <a:t>Simulations</a:t>
             </a:r>
-            <a:endParaRPr/>
+            <a:endParaRPr dirty="0"/>
           </a:p>
         </p:txBody>
       </p:sp>
@@ -5845,8 +6692,9 @@
         </p:spPr>
         <p:txBody>
           <a:bodyPr/>
-          <a:p>
-            <a:pPr>
+          <a:lstStyle/>
+          <a:p>
+            <a:pPr algn="l" rtl="0">
               <a:lnSpc>
                 <a:spcPct val="100000"/>
               </a:lnSpc>
@@ -5854,7 +6702,7 @@
               <a:buChar char="•"/>
             </a:pPr>
             <a:r>
-              <a:rPr lang="en-US" sz="2800">
+              <a:rPr lang="en-US" sz="2800" dirty="0">
                 <a:solidFill>
                   <a:srgbClr val="000000"/>
                 </a:solidFill>
@@ -5862,10 +6710,10 @@
               </a:rPr>
               <a:t>Easy to design and construct;</a:t>
             </a:r>
-            <a:endParaRPr/>
-          </a:p>
-          <a:p>
-            <a:pPr>
+            <a:endParaRPr dirty="0"/>
+          </a:p>
+          <a:p>
+            <a:pPr algn="l" rtl="0">
               <a:lnSpc>
                 <a:spcPct val="100000"/>
               </a:lnSpc>
@@ -5873,7 +6721,7 @@
               <a:buChar char="•"/>
             </a:pPr>
             <a:r>
-              <a:rPr lang="en-US" sz="2800">
+              <a:rPr lang="en-US" sz="2800" dirty="0">
                 <a:solidFill>
                   <a:srgbClr val="000000"/>
                 </a:solidFill>
@@ -5881,10 +6729,10 @@
               </a:rPr>
               <a:t>Stochastic in nature;</a:t>
             </a:r>
-            <a:endParaRPr/>
-          </a:p>
-          <a:p>
-            <a:pPr>
+            <a:endParaRPr dirty="0"/>
+          </a:p>
+          <a:p>
+            <a:pPr algn="l" rtl="0">
               <a:lnSpc>
                 <a:spcPct val="100000"/>
               </a:lnSpc>
@@ -5892,7 +6740,7 @@
               <a:buChar char="•"/>
             </a:pPr>
             <a:r>
-              <a:rPr lang="en-US" sz="2800">
+              <a:rPr lang="en-US" sz="2800" dirty="0">
                 <a:solidFill>
                   <a:srgbClr val="000000"/>
                 </a:solidFill>
@@ -5900,10 +6748,10 @@
               </a:rPr>
               <a:t>Mainly concern distributions;</a:t>
             </a:r>
-            <a:endParaRPr/>
-          </a:p>
-          <a:p>
-            <a:pPr>
+            <a:endParaRPr dirty="0"/>
+          </a:p>
+          <a:p>
+            <a:pPr algn="l" rtl="0">
               <a:lnSpc>
                 <a:spcPct val="100000"/>
               </a:lnSpc>
@@ -5911,7 +6759,7 @@
               <a:buChar char="•"/>
             </a:pPr>
             <a:r>
-              <a:rPr lang="en-US" sz="2800">
+              <a:rPr lang="en-US" sz="2800" dirty="0">
                 <a:solidFill>
                   <a:srgbClr val="000000"/>
                 </a:solidFill>
@@ -5919,36 +6767,39 @@
               </a:rPr>
               <a:t>That is, one realization is not enough.</a:t>
             </a:r>
-            <a:endParaRPr/>
-          </a:p>
-          <a:p>
-            <a:pPr>
+            <a:endParaRPr dirty="0"/>
+          </a:p>
+          <a:p>
+            <a:pPr algn="l" rtl="0">
               <a:lnSpc>
                 <a:spcPct val="100000"/>
               </a:lnSpc>
             </a:pPr>
-            <a:endParaRPr/>
+            <a:endParaRPr dirty="0"/>
           </a:p>
         </p:txBody>
       </p:sp>
     </p:spTree>
   </p:cSld>
+  <p:clrMapOvr>
+    <a:masterClrMapping/>
+  </p:clrMapOvr>
   <p:timing>
     <p:tnLst>
       <p:par>
-        <p:cTn id="13" dur="indefinite" restart="never" nodeType="tmRoot">
+        <p:cTn id="1" dur="indefinite" restart="never" nodeType="tmRoot">
           <p:childTnLst>
             <p:seq>
-              <p:cTn id="14" nodeType="mainSeq"/>
+              <p:cTn id="2" nodeType="mainSeq"/>
               <p:prevCondLst>
-                <p:cond delay="0" evt="onPrev">
+                <p:cond evt="onPrev" delay="0">
                   <p:tgtEl>
                     <p:sldTgt/>
                   </p:tgtEl>
                 </p:cond>
               </p:prevCondLst>
               <p:nextCondLst>
-                <p:cond delay="0" evt="onNext">
+                <p:cond evt="onNext" delay="0">
                   <p:tgtEl>
                     <p:sldTgt/>
                   </p:tgtEl>
@@ -5964,7 +6815,7 @@
 </file>
 
 <file path=ppt/slides/slide8.xml><?xml version="1.0" encoding="utf-8"?>
-<p:sld xmlns:a="http://schemas.openxmlformats.org/drawingml/2006/main" xmlns:p="http://schemas.openxmlformats.org/presentationml/2006/main" xmlns:r="http://schemas.openxmlformats.org/officeDocument/2006/relationships">
+<p:sld xmlns:a="http://schemas.openxmlformats.org/drawingml/2006/main" xmlns:r="http://schemas.openxmlformats.org/officeDocument/2006/relationships" xmlns:p="http://schemas.openxmlformats.org/presentationml/2006/main">
   <p:cSld>
     <p:spTree>
       <p:nvGrpSpPr>
@@ -5997,8 +6848,9 @@
         </p:spPr>
         <p:txBody>
           <a:bodyPr anchor="ctr"/>
-          <a:p>
-            <a:pPr>
+          <a:lstStyle/>
+          <a:p>
+            <a:pPr algn="l" rtl="0">
               <a:lnSpc>
                 <a:spcPct val="100000"/>
               </a:lnSpc>
@@ -6033,8 +6885,9 @@
         </p:spPr>
         <p:txBody>
           <a:bodyPr/>
-          <a:p>
-            <a:pPr>
+          <a:lstStyle/>
+          <a:p>
+            <a:pPr algn="l" rtl="0">
               <a:lnSpc>
                 <a:spcPct val="100000"/>
               </a:lnSpc>
@@ -6042,7 +6895,7 @@
               <a:buChar char="•"/>
             </a:pPr>
             <a:r>
-              <a:rPr lang="en-US" sz="2800">
+              <a:rPr lang="en-US" sz="2800" dirty="0">
                 <a:solidFill>
                   <a:srgbClr val="000000"/>
                 </a:solidFill>
@@ -6050,10 +6903,10 @@
               </a:rPr>
               <a:t>Speed- GPU or transform the code to C++</a:t>
             </a:r>
-            <a:endParaRPr/>
-          </a:p>
-          <a:p>
-            <a:pPr>
+            <a:endParaRPr dirty="0"/>
+          </a:p>
+          <a:p>
+            <a:pPr algn="l" rtl="0">
               <a:lnSpc>
                 <a:spcPct val="100000"/>
               </a:lnSpc>
@@ -6061,7 +6914,7 @@
               <a:buChar char="•"/>
             </a:pPr>
             <a:r>
-              <a:rPr lang="en-US" sz="2800">
+              <a:rPr lang="en-US" sz="2800" dirty="0">
                 <a:solidFill>
                   <a:srgbClr val="000000"/>
                 </a:solidFill>
@@ -6069,10 +6922,10 @@
               </a:rPr>
               <a:t>Add and improve polymer models</a:t>
             </a:r>
-            <a:endParaRPr/>
-          </a:p>
-          <a:p>
-            <a:pPr>
+            <a:endParaRPr dirty="0"/>
+          </a:p>
+          <a:p>
+            <a:pPr algn="l" rtl="0">
               <a:lnSpc>
                 <a:spcPct val="100000"/>
               </a:lnSpc>
@@ -6080,7 +6933,7 @@
               <a:buChar char="•"/>
             </a:pPr>
             <a:r>
-              <a:rPr lang="en-US" sz="2800">
+              <a:rPr lang="en-US" sz="2800" dirty="0">
                 <a:solidFill>
                   <a:srgbClr val="000000"/>
                 </a:solidFill>
@@ -6088,36 +6941,39 @@
               </a:rPr>
               <a:t>Report generation</a:t>
             </a:r>
-            <a:endParaRPr/>
-          </a:p>
-          <a:p>
-            <a:pPr>
+            <a:endParaRPr dirty="0"/>
+          </a:p>
+          <a:p>
+            <a:pPr algn="l" rtl="0">
               <a:lnSpc>
                 <a:spcPct val="100000"/>
               </a:lnSpc>
             </a:pPr>
-            <a:endParaRPr/>
+            <a:endParaRPr dirty="0"/>
           </a:p>
         </p:txBody>
       </p:sp>
     </p:spTree>
   </p:cSld>
+  <p:clrMapOvr>
+    <a:masterClrMapping/>
+  </p:clrMapOvr>
   <p:timing>
     <p:tnLst>
       <p:par>
-        <p:cTn id="15" dur="indefinite" restart="never" nodeType="tmRoot">
+        <p:cTn id="1" dur="indefinite" restart="never" nodeType="tmRoot">
           <p:childTnLst>
             <p:seq>
-              <p:cTn id="16" nodeType="mainSeq"/>
+              <p:cTn id="2" nodeType="mainSeq"/>
               <p:prevCondLst>
-                <p:cond delay="0" evt="onPrev">
+                <p:cond evt="onPrev" delay="0">
                   <p:tgtEl>
                     <p:sldTgt/>
                   </p:tgtEl>
                 </p:cond>
               </p:prevCondLst>
               <p:nextCondLst>
-                <p:cond delay="0" evt="onNext">
+                <p:cond evt="onNext" delay="0">
                   <p:tgtEl>
                     <p:sldTgt/>
                   </p:tgtEl>
@@ -6352,6 +7208,8 @@
       </a:bgFillStyleLst>
     </a:fmtScheme>
   </a:themeElements>
+  <a:objectDefaults/>
+  <a:extraClrSchemeLst/>
 </a:theme>
 </file>
 
@@ -6575,5 +7433,7 @@
       </a:bgFillStyleLst>
     </a:fmtScheme>
   </a:themeElements>
+  <a:objectDefaults/>
+  <a:extraClrSchemeLst/>
 </a:theme>
 </file>